--- a/singapore_presentation3.pptx
+++ b/singapore_presentation3.pptx
@@ -5,20 +5,21 @@
     <p:sldMasterId id="2147483660" r:id="rId1"/>
   </p:sldMasterIdLst>
   <p:sldIdLst>
-    <p:sldId id="256" r:id="rId2"/>
-    <p:sldId id="257" r:id="rId3"/>
-    <p:sldId id="258" r:id="rId4"/>
-    <p:sldId id="259" r:id="rId5"/>
-    <p:sldId id="265" r:id="rId6"/>
-    <p:sldId id="264" r:id="rId7"/>
-    <p:sldId id="267" r:id="rId8"/>
-    <p:sldId id="266" r:id="rId9"/>
-    <p:sldId id="261" r:id="rId10"/>
-    <p:sldId id="262" r:id="rId11"/>
-    <p:sldId id="268" r:id="rId12"/>
-    <p:sldId id="269" r:id="rId13"/>
-    <p:sldId id="263" r:id="rId14"/>
-    <p:sldId id="260" r:id="rId15"/>
+    <p:sldId id="270" r:id="rId2"/>
+    <p:sldId id="256" r:id="rId3"/>
+    <p:sldId id="257" r:id="rId4"/>
+    <p:sldId id="258" r:id="rId5"/>
+    <p:sldId id="259" r:id="rId6"/>
+    <p:sldId id="265" r:id="rId7"/>
+    <p:sldId id="264" r:id="rId8"/>
+    <p:sldId id="267" r:id="rId9"/>
+    <p:sldId id="266" r:id="rId10"/>
+    <p:sldId id="261" r:id="rId11"/>
+    <p:sldId id="262" r:id="rId12"/>
+    <p:sldId id="268" r:id="rId13"/>
+    <p:sldId id="269" r:id="rId14"/>
+    <p:sldId id="263" r:id="rId15"/>
+    <p:sldId id="260" r:id="rId16"/>
   </p:sldIdLst>
   <p:sldSz cx="12192000" cy="6858000"/>
   <p:notesSz cx="6858000" cy="9144000"/>
@@ -847,7 +848,7 @@
           <a:p>
             <a:fld id="{631CA68C-240C-416E-96EA-D60E04DADC24}" type="datetimeFigureOut">
               <a:rPr lang="en-IN" smtClean="0"/>
-              <a:t>19-10-2018</a:t>
+              <a:t>20-10-2018</a:t>
             </a:fld>
             <a:endParaRPr lang="en-IN"/>
           </a:p>
@@ -1098,7 +1099,7 @@
           <a:p>
             <a:fld id="{631CA68C-240C-416E-96EA-D60E04DADC24}" type="datetimeFigureOut">
               <a:rPr lang="en-IN" smtClean="0"/>
-              <a:t>19-10-2018</a:t>
+              <a:t>20-10-2018</a:t>
             </a:fld>
             <a:endParaRPr lang="en-IN"/>
           </a:p>
@@ -1412,7 +1413,7 @@
           <a:p>
             <a:fld id="{631CA68C-240C-416E-96EA-D60E04DADC24}" type="datetimeFigureOut">
               <a:rPr lang="en-IN" smtClean="0"/>
-              <a:t>19-10-2018</a:t>
+              <a:t>20-10-2018</a:t>
             </a:fld>
             <a:endParaRPr lang="en-IN"/>
           </a:p>
@@ -1753,7 +1754,7 @@
           <a:p>
             <a:fld id="{631CA68C-240C-416E-96EA-D60E04DADC24}" type="datetimeFigureOut">
               <a:rPr lang="en-IN" smtClean="0"/>
-              <a:t>19-10-2018</a:t>
+              <a:t>20-10-2018</a:t>
             </a:fld>
             <a:endParaRPr lang="en-IN"/>
           </a:p>
@@ -2067,7 +2068,7 @@
           <a:p>
             <a:fld id="{631CA68C-240C-416E-96EA-D60E04DADC24}" type="datetimeFigureOut">
               <a:rPr lang="en-IN" smtClean="0"/>
-              <a:t>19-10-2018</a:t>
+              <a:t>20-10-2018</a:t>
             </a:fld>
             <a:endParaRPr lang="en-IN"/>
           </a:p>
@@ -2460,7 +2461,7 @@
           <a:p>
             <a:fld id="{631CA68C-240C-416E-96EA-D60E04DADC24}" type="datetimeFigureOut">
               <a:rPr lang="en-IN" smtClean="0"/>
-              <a:t>19-10-2018</a:t>
+              <a:t>20-10-2018</a:t>
             </a:fld>
             <a:endParaRPr lang="en-IN"/>
           </a:p>
@@ -2630,7 +2631,7 @@
           <a:p>
             <a:fld id="{631CA68C-240C-416E-96EA-D60E04DADC24}" type="datetimeFigureOut">
               <a:rPr lang="en-IN" smtClean="0"/>
-              <a:t>19-10-2018</a:t>
+              <a:t>20-10-2018</a:t>
             </a:fld>
             <a:endParaRPr lang="en-IN"/>
           </a:p>
@@ -2810,7 +2811,7 @@
           <a:p>
             <a:fld id="{631CA68C-240C-416E-96EA-D60E04DADC24}" type="datetimeFigureOut">
               <a:rPr lang="en-IN" smtClean="0"/>
-              <a:t>19-10-2018</a:t>
+              <a:t>20-10-2018</a:t>
             </a:fld>
             <a:endParaRPr lang="en-IN"/>
           </a:p>
@@ -2986,7 +2987,7 @@
           <a:p>
             <a:fld id="{631CA68C-240C-416E-96EA-D60E04DADC24}" type="datetimeFigureOut">
               <a:rPr lang="en-IN" smtClean="0"/>
-              <a:t>19-10-2018</a:t>
+              <a:t>20-10-2018</a:t>
             </a:fld>
             <a:endParaRPr lang="en-IN"/>
           </a:p>
@@ -3233,7 +3234,7 @@
           <a:p>
             <a:fld id="{631CA68C-240C-416E-96EA-D60E04DADC24}" type="datetimeFigureOut">
               <a:rPr lang="en-IN" smtClean="0"/>
-              <a:t>19-10-2018</a:t>
+              <a:t>20-10-2018</a:t>
             </a:fld>
             <a:endParaRPr lang="en-IN"/>
           </a:p>
@@ -3465,7 +3466,7 @@
           <a:p>
             <a:fld id="{631CA68C-240C-416E-96EA-D60E04DADC24}" type="datetimeFigureOut">
               <a:rPr lang="en-IN" smtClean="0"/>
-              <a:t>19-10-2018</a:t>
+              <a:t>20-10-2018</a:t>
             </a:fld>
             <a:endParaRPr lang="en-IN"/>
           </a:p>
@@ -3839,7 +3840,7 @@
           <a:p>
             <a:fld id="{631CA68C-240C-416E-96EA-D60E04DADC24}" type="datetimeFigureOut">
               <a:rPr lang="en-IN" smtClean="0"/>
-              <a:t>19-10-2018</a:t>
+              <a:t>20-10-2018</a:t>
             </a:fld>
             <a:endParaRPr lang="en-IN"/>
           </a:p>
@@ -3962,7 +3963,7 @@
           <a:p>
             <a:fld id="{631CA68C-240C-416E-96EA-D60E04DADC24}" type="datetimeFigureOut">
               <a:rPr lang="en-IN" smtClean="0"/>
-              <a:t>19-10-2018</a:t>
+              <a:t>20-10-2018</a:t>
             </a:fld>
             <a:endParaRPr lang="en-IN"/>
           </a:p>
@@ -4057,7 +4058,7 @@
           <a:p>
             <a:fld id="{631CA68C-240C-416E-96EA-D60E04DADC24}" type="datetimeFigureOut">
               <a:rPr lang="en-IN" smtClean="0"/>
-              <a:t>19-10-2018</a:t>
+              <a:t>20-10-2018</a:t>
             </a:fld>
             <a:endParaRPr lang="en-IN"/>
           </a:p>
@@ -4312,7 +4313,7 @@
           <a:p>
             <a:fld id="{631CA68C-240C-416E-96EA-D60E04DADC24}" type="datetimeFigureOut">
               <a:rPr lang="en-IN" smtClean="0"/>
-              <a:t>19-10-2018</a:t>
+              <a:t>20-10-2018</a:t>
             </a:fld>
             <a:endParaRPr lang="en-IN"/>
           </a:p>
@@ -4575,7 +4576,7 @@
           <a:p>
             <a:fld id="{631CA68C-240C-416E-96EA-D60E04DADC24}" type="datetimeFigureOut">
               <a:rPr lang="en-IN" smtClean="0"/>
-              <a:t>19-10-2018</a:t>
+              <a:t>20-10-2018</a:t>
             </a:fld>
             <a:endParaRPr lang="en-IN"/>
           </a:p>
@@ -5318,7 +5319,7 @@
           <a:p>
             <a:fld id="{631CA68C-240C-416E-96EA-D60E04DADC24}" type="datetimeFigureOut">
               <a:rPr lang="en-IN" smtClean="0"/>
-              <a:t>19-10-2018</a:t>
+              <a:t>20-10-2018</a:t>
             </a:fld>
             <a:endParaRPr lang="en-IN"/>
           </a:p>
@@ -5844,6 +5845,1057 @@
       </p:grpSpPr>
       <p:sp>
         <p:nvSpPr>
+          <p:cNvPr id="2" name="Title 1"/>
+          <p:cNvSpPr>
+            <a:spLocks noGrp="1"/>
+          </p:cNvSpPr>
+          <p:nvPr>
+            <p:ph type="title"/>
+          </p:nvPr>
+        </p:nvSpPr>
+        <p:spPr/>
+        <p:txBody>
+          <a:bodyPr/>
+          <a:lstStyle/>
+          <a:p>
+            <a:r>
+              <a:rPr lang="en-US" dirty="0">
+                <a:solidFill>
+                  <a:schemeClr val="tx1"/>
+                </a:solidFill>
+              </a:rPr>
+              <a:t>The </a:t>
+            </a:r>
+            <a:r>
+              <a:rPr lang="en-US" sz="4400" dirty="0">
+                <a:solidFill>
+                  <a:schemeClr val="tx1"/>
+                </a:solidFill>
+              </a:rPr>
+              <a:t>Bible</a:t>
+            </a:r>
+            <a:r>
+              <a:rPr lang="en-US" dirty="0">
+                <a:solidFill>
+                  <a:schemeClr val="tx1"/>
+                </a:solidFill>
+              </a:rPr>
+              <a:t>  Mission</a:t>
+            </a:r>
+            <a:br>
+              <a:rPr lang="en-US" dirty="0">
+                <a:solidFill>
+                  <a:schemeClr val="tx1"/>
+                </a:solidFill>
+              </a:rPr>
+            </a:br>
+            <a:r>
+              <a:rPr lang="en-US" dirty="0">
+                <a:solidFill>
+                  <a:schemeClr val="tx1"/>
+                </a:solidFill>
+              </a:rPr>
+              <a:t>The Revelation of </a:t>
+            </a:r>
+            <a:r>
+              <a:rPr lang="en-US" dirty="0" smtClean="0">
+                <a:solidFill>
+                  <a:schemeClr val="tx1"/>
+                </a:solidFill>
+              </a:rPr>
+              <a:t>God </a:t>
+            </a:r>
+            <a:r>
+              <a:rPr lang="en-US" dirty="0">
+                <a:solidFill>
+                  <a:schemeClr val="tx1"/>
+                </a:solidFill>
+              </a:rPr>
+              <a:t>to St. M. </a:t>
+            </a:r>
+            <a:r>
+              <a:rPr lang="en-US" dirty="0" err="1">
+                <a:solidFill>
+                  <a:schemeClr val="tx1"/>
+                </a:solidFill>
+              </a:rPr>
+              <a:t>Devadas</a:t>
+            </a:r>
+            <a:endParaRPr lang="en-US" dirty="0">
+              <a:solidFill>
+                <a:schemeClr val="tx1"/>
+              </a:solidFill>
+            </a:endParaRPr>
+          </a:p>
+        </p:txBody>
+      </p:sp>
+      <p:pic>
+        <p:nvPicPr>
+          <p:cNvPr id="4" name="Picture 3">
+            <a:extLst>
+              <a:ext uri="{FF2B5EF4-FFF2-40B4-BE49-F238E27FC236}">
+                <a16:creationId xmlns:a16="http://schemas.microsoft.com/office/drawing/2014/main" id="{28CD3EB6-0D17-45C1-BEA6-89519F458CE2}"/>
+              </a:ext>
+            </a:extLst>
+          </p:cNvPr>
+          <p:cNvPicPr>
+            <a:picLocks noChangeAspect="1"/>
+          </p:cNvPicPr>
+          <p:nvPr/>
+        </p:nvPicPr>
+        <p:blipFill>
+          <a:blip r:embed="rId2" cstate="print">
+            <a:extLst>
+              <a:ext uri="{28A0092B-C50C-407E-A947-70E740481C1C}">
+                <a14:useLocalDpi xmlns:a14="http://schemas.microsoft.com/office/drawing/2010/main" val="0"/>
+              </a:ext>
+            </a:extLst>
+          </a:blip>
+          <a:stretch>
+            <a:fillRect/>
+          </a:stretch>
+        </p:blipFill>
+        <p:spPr>
+          <a:xfrm>
+            <a:off x="1123280" y="2363188"/>
+            <a:ext cx="3046454" cy="3428999"/>
+          </a:xfrm>
+          <a:prstGeom prst="rect">
+            <a:avLst/>
+          </a:prstGeom>
+        </p:spPr>
+      </p:pic>
+      <p:pic>
+        <p:nvPicPr>
+          <p:cNvPr id="5" name="Picture 2" descr="Image result for bible mission">
+            <a:extLst>
+              <a:ext uri="{FF2B5EF4-FFF2-40B4-BE49-F238E27FC236}">
+                <a16:creationId xmlns:a16="http://schemas.microsoft.com/office/drawing/2014/main" id="{27FF0D2B-A6B6-4F64-96C9-CA1C059C86B6}"/>
+              </a:ext>
+            </a:extLst>
+          </p:cNvPr>
+          <p:cNvPicPr>
+            <a:picLocks noGrp="1" noChangeAspect="1" noChangeArrowheads="1"/>
+          </p:cNvPicPr>
+          <p:nvPr>
+            <p:ph idx="1"/>
+          </p:nvPr>
+        </p:nvPicPr>
+        <p:blipFill>
+          <a:blip r:embed="rId3">
+            <a:extLst>
+              <a:ext uri="{28A0092B-C50C-407E-A947-70E740481C1C}">
+                <a14:useLocalDpi xmlns:a14="http://schemas.microsoft.com/office/drawing/2010/main" val="0"/>
+              </a:ext>
+            </a:extLst>
+          </a:blip>
+          <a:srcRect/>
+          <a:stretch>
+            <a:fillRect/>
+          </a:stretch>
+        </p:blipFill>
+        <p:spPr bwMode="auto">
+          <a:xfrm>
+            <a:off x="5225183" y="2815791"/>
+            <a:ext cx="4151417" cy="2523794"/>
+          </a:xfrm>
+          <a:prstGeom prst="rect">
+            <a:avLst/>
+          </a:prstGeom>
+          <a:noFill/>
+          <a:extLst>
+            <a:ext uri="{909E8E84-426E-40DD-AFC4-6F175D3DCCD1}">
+              <a14:hiddenFill xmlns:a14="http://schemas.microsoft.com/office/drawing/2010/main">
+                <a:solidFill>
+                  <a:srgbClr val="FFFFFF"/>
+                </a:solidFill>
+              </a14:hiddenFill>
+            </a:ext>
+          </a:extLst>
+        </p:spPr>
+      </p:pic>
+    </p:spTree>
+    <p:extLst>
+      <p:ext uri="{BB962C8B-B14F-4D97-AF65-F5344CB8AC3E}">
+        <p14:creationId xmlns:p14="http://schemas.microsoft.com/office/powerpoint/2010/main" val="939058509"/>
+      </p:ext>
+    </p:extLst>
+  </p:cSld>
+  <p:clrMapOvr>
+    <a:masterClrMapping/>
+  </p:clrMapOvr>
+</p:sld>
+</file>
+
+<file path=ppt/slides/slide10.xml><?xml version="1.0" encoding="utf-8"?>
+<p:sld xmlns:a="http://schemas.openxmlformats.org/drawingml/2006/main" xmlns:r="http://schemas.openxmlformats.org/officeDocument/2006/relationships" xmlns:p="http://schemas.openxmlformats.org/presentationml/2006/main">
+  <p:cSld>
+    <p:spTree>
+      <p:nvGrpSpPr>
+        <p:cNvPr id="1" name=""/>
+        <p:cNvGrpSpPr/>
+        <p:nvPr/>
+      </p:nvGrpSpPr>
+      <p:grpSpPr>
+        <a:xfrm>
+          <a:off x="0" y="0"/>
+          <a:ext cx="0" cy="0"/>
+          <a:chOff x="0" y="0"/>
+          <a:chExt cx="0" cy="0"/>
+        </a:xfrm>
+      </p:grpSpPr>
+      <p:sp>
+        <p:nvSpPr>
+          <p:cNvPr id="7" name="Title 6"/>
+          <p:cNvSpPr>
+            <a:spLocks noGrp="1"/>
+          </p:cNvSpPr>
+          <p:nvPr>
+            <p:ph type="title"/>
+          </p:nvPr>
+        </p:nvSpPr>
+        <p:spPr/>
+        <p:txBody>
+          <a:bodyPr/>
+          <a:lstStyle/>
+          <a:p>
+            <a:r>
+              <a:rPr lang="en-IN" dirty="0">
+                <a:solidFill>
+                  <a:schemeClr val="tx1"/>
+                </a:solidFill>
+              </a:rPr>
+              <a:t>Eternal</a:t>
+            </a:r>
+            <a:r>
+              <a:rPr lang="en-IN" dirty="0"/>
+              <a:t> </a:t>
+            </a:r>
+            <a:r>
+              <a:rPr lang="en-IN" dirty="0">
+                <a:solidFill>
+                  <a:schemeClr val="tx1"/>
+                </a:solidFill>
+              </a:rPr>
+              <a:t>judgement</a:t>
+            </a:r>
+          </a:p>
+        </p:txBody>
+      </p:sp>
+      <p:sp>
+        <p:nvSpPr>
+          <p:cNvPr id="8" name="Content Placeholder 7"/>
+          <p:cNvSpPr>
+            <a:spLocks noGrp="1"/>
+          </p:cNvSpPr>
+          <p:nvPr>
+            <p:ph idx="1"/>
+          </p:nvPr>
+        </p:nvSpPr>
+        <p:spPr>
+          <a:xfrm>
+            <a:off x="598956" y="1533573"/>
+            <a:ext cx="5645089" cy="3665444"/>
+          </a:xfrm>
+        </p:spPr>
+        <p:txBody>
+          <a:bodyPr/>
+          <a:lstStyle/>
+          <a:p>
+            <a:r>
+              <a:rPr lang="en-US" dirty="0"/>
+              <a:t> Many preach about eternal </a:t>
+            </a:r>
+            <a:r>
+              <a:rPr lang="en-US" dirty="0" smtClean="0"/>
+              <a:t>condemnation </a:t>
+            </a:r>
+            <a:r>
+              <a:rPr lang="en-US" dirty="0"/>
+              <a:t>rather than eternal salvation.</a:t>
+            </a:r>
+          </a:p>
+          <a:p>
+            <a:r>
+              <a:rPr lang="en-US" dirty="0"/>
+              <a:t> Eternal judgement is at the end of all things but not during the rapture</a:t>
+            </a:r>
+          </a:p>
+          <a:p>
+            <a:r>
+              <a:rPr lang="en-US" dirty="0"/>
+              <a:t> On the day of final judgement also some people will be saved.</a:t>
+            </a:r>
+            <a:endParaRPr lang="en-IN" dirty="0"/>
+          </a:p>
+        </p:txBody>
+      </p:sp>
+      <p:pic>
+        <p:nvPicPr>
+          <p:cNvPr id="11" name="Picture 10"/>
+          <p:cNvPicPr>
+            <a:picLocks noChangeAspect="1"/>
+          </p:cNvPicPr>
+          <p:nvPr/>
+        </p:nvPicPr>
+        <p:blipFill>
+          <a:blip r:embed="rId2">
+            <a:extLst>
+              <a:ext uri="{28A0092B-C50C-407E-A947-70E740481C1C}">
+                <a14:useLocalDpi xmlns:a14="http://schemas.microsoft.com/office/drawing/2010/main" val="0"/>
+              </a:ext>
+            </a:extLst>
+          </a:blip>
+          <a:stretch>
+            <a:fillRect/>
+          </a:stretch>
+        </p:blipFill>
+        <p:spPr>
+          <a:xfrm>
+            <a:off x="2020389" y="3688511"/>
+            <a:ext cx="5651862" cy="2816265"/>
+          </a:xfrm>
+          <a:prstGeom prst="rect">
+            <a:avLst/>
+          </a:prstGeom>
+        </p:spPr>
+      </p:pic>
+    </p:spTree>
+    <p:extLst>
+      <p:ext uri="{BB962C8B-B14F-4D97-AF65-F5344CB8AC3E}">
+        <p14:creationId xmlns:p14="http://schemas.microsoft.com/office/powerpoint/2010/main" val="3700362613"/>
+      </p:ext>
+    </p:extLst>
+  </p:cSld>
+  <p:clrMapOvr>
+    <a:masterClrMapping/>
+  </p:clrMapOvr>
+</p:sld>
+</file>
+
+<file path=ppt/slides/slide11.xml><?xml version="1.0" encoding="utf-8"?>
+<p:sld xmlns:a="http://schemas.openxmlformats.org/drawingml/2006/main" xmlns:r="http://schemas.openxmlformats.org/officeDocument/2006/relationships" xmlns:p="http://schemas.openxmlformats.org/presentationml/2006/main">
+  <p:cSld>
+    <p:spTree>
+      <p:nvGrpSpPr>
+        <p:cNvPr id="1" name=""/>
+        <p:cNvGrpSpPr/>
+        <p:nvPr/>
+      </p:nvGrpSpPr>
+      <p:grpSpPr>
+        <a:xfrm>
+          <a:off x="0" y="0"/>
+          <a:ext cx="0" cy="0"/>
+          <a:chOff x="0" y="0"/>
+          <a:chExt cx="0" cy="0"/>
+        </a:xfrm>
+      </p:grpSpPr>
+      <p:sp>
+        <p:nvSpPr>
+          <p:cNvPr id="2" name="Title 1"/>
+          <p:cNvSpPr>
+            <a:spLocks noGrp="1"/>
+          </p:cNvSpPr>
+          <p:nvPr>
+            <p:ph type="title"/>
+          </p:nvPr>
+        </p:nvSpPr>
+        <p:spPr/>
+        <p:txBody>
+          <a:bodyPr>
+            <a:normAutofit/>
+          </a:bodyPr>
+          <a:lstStyle/>
+          <a:p>
+            <a:r>
+              <a:rPr lang="en-IN" sz="4400" dirty="0">
+                <a:solidFill>
+                  <a:schemeClr val="tx1"/>
+                </a:solidFill>
+              </a:rPr>
+              <a:t>Maturity Teaching</a:t>
+            </a:r>
+            <a:r>
+              <a:rPr lang="en-IN" sz="4400" dirty="0"/>
+              <a:t>.</a:t>
+            </a:r>
+          </a:p>
+        </p:txBody>
+      </p:sp>
+      <p:sp>
+        <p:nvSpPr>
+          <p:cNvPr id="3" name="Content Placeholder 2"/>
+          <p:cNvSpPr>
+            <a:spLocks noGrp="1"/>
+          </p:cNvSpPr>
+          <p:nvPr>
+            <p:ph idx="1"/>
+          </p:nvPr>
+        </p:nvSpPr>
+        <p:spPr>
+          <a:xfrm>
+            <a:off x="677334" y="1701506"/>
+            <a:ext cx="8596668" cy="3186474"/>
+          </a:xfrm>
+        </p:spPr>
+        <p:txBody>
+          <a:bodyPr>
+            <a:normAutofit fontScale="92500" lnSpcReduction="10000"/>
+          </a:bodyPr>
+          <a:lstStyle/>
+          <a:p>
+            <a:r>
+              <a:rPr lang="en-US" dirty="0"/>
+              <a:t>Maturity teaching is the solid food that was mentioned and prescribed by S</a:t>
+            </a:r>
+            <a:r>
+              <a:rPr lang="en-US" dirty="0" smtClean="0"/>
+              <a:t>t </a:t>
+            </a:r>
+            <a:r>
+              <a:rPr lang="en-US" dirty="0"/>
+              <a:t>Paul </a:t>
+            </a:r>
+            <a:r>
+              <a:rPr lang="en-US" dirty="0" smtClean="0"/>
+              <a:t>in (Heb 5:12- 14) </a:t>
+            </a:r>
+            <a:r>
+              <a:rPr lang="en-US" dirty="0"/>
+              <a:t>against </a:t>
+            </a:r>
+            <a:r>
+              <a:rPr lang="en-US" dirty="0" smtClean="0"/>
+              <a:t>simple </a:t>
+            </a:r>
+            <a:r>
+              <a:rPr lang="en-US" dirty="0"/>
+              <a:t>nulk. The same we see in (I </a:t>
+            </a:r>
+            <a:r>
+              <a:rPr lang="en-US" dirty="0" smtClean="0"/>
+              <a:t>cor 3:1-2</a:t>
+            </a:r>
+            <a:r>
+              <a:rPr lang="en-US" dirty="0"/>
+              <a:t>) also.</a:t>
+            </a:r>
+          </a:p>
+          <a:p>
+            <a:pPr marL="0" indent="0">
+              <a:buNone/>
+            </a:pPr>
+            <a:r>
+              <a:rPr lang="en-US" dirty="0"/>
+              <a:t>       </a:t>
+            </a:r>
+          </a:p>
+          <a:p>
+            <a:pPr marL="0" indent="0">
+              <a:buNone/>
+            </a:pPr>
+            <a:r>
+              <a:rPr lang="en-US" dirty="0"/>
+              <a:t>        a)It is concerned with the super structure not the </a:t>
+            </a:r>
+            <a:r>
+              <a:rPr lang="en-US" dirty="0" smtClean="0"/>
+              <a:t>foundation (I cor 3:10-14)</a:t>
+            </a:r>
+            <a:endParaRPr lang="en-US" dirty="0"/>
+          </a:p>
+          <a:p>
+            <a:pPr marL="0" indent="0">
+              <a:buNone/>
+            </a:pPr>
+            <a:r>
+              <a:rPr lang="en-US" dirty="0"/>
+              <a:t>        b)It is accruing the righteous of Christ  </a:t>
+            </a:r>
+            <a:r>
+              <a:rPr lang="en-US" dirty="0" smtClean="0"/>
+              <a:t>(Heb </a:t>
+            </a:r>
+            <a:r>
+              <a:rPr lang="en-US" dirty="0"/>
+              <a:t>5 </a:t>
+            </a:r>
+            <a:r>
+              <a:rPr lang="en-US" dirty="0" smtClean="0"/>
+              <a:t>:13), </a:t>
+            </a:r>
+            <a:r>
+              <a:rPr lang="en-US" dirty="0"/>
+              <a:t>but not ceremonial repentance.</a:t>
+            </a:r>
+          </a:p>
+          <a:p>
+            <a:pPr marL="0" indent="0">
+              <a:buNone/>
+            </a:pPr>
+            <a:r>
+              <a:rPr lang="en-US" dirty="0"/>
+              <a:t>        c)It is exhibiting the faith that welcome the world </a:t>
+            </a:r>
+            <a:r>
+              <a:rPr lang="en-US" dirty="0" smtClean="0"/>
+              <a:t>(I </a:t>
+            </a:r>
+            <a:r>
+              <a:rPr lang="en-US" dirty="0"/>
+              <a:t>Iohn </a:t>
+            </a:r>
+            <a:r>
+              <a:rPr lang="en-US" dirty="0" smtClean="0"/>
+              <a:t>5:4),</a:t>
+            </a:r>
+            <a:r>
+              <a:rPr lang="en-US" dirty="0"/>
+              <a:t>the faith that symbolizes and stands out the bride from aiming the maidens, as the wife of the Lands   </a:t>
+            </a:r>
+            <a:r>
+              <a:rPr lang="en-US" dirty="0" smtClean="0"/>
+              <a:t>(R 19:7)</a:t>
+            </a:r>
+            <a:endParaRPr lang="en-US" dirty="0"/>
+          </a:p>
+          <a:p>
+            <a:pPr marL="0" indent="0">
+              <a:buNone/>
+            </a:pPr>
+            <a:r>
+              <a:rPr lang="en-US" dirty="0"/>
+              <a:t>       </a:t>
+            </a:r>
+          </a:p>
+          <a:p>
+            <a:pPr marL="0" indent="0">
+              <a:buNone/>
+            </a:pPr>
+            <a:endParaRPr lang="en-IN" dirty="0"/>
+          </a:p>
+        </p:txBody>
+      </p:sp>
+      <p:pic>
+        <p:nvPicPr>
+          <p:cNvPr id="4" name="Picture 3"/>
+          <p:cNvPicPr>
+            <a:picLocks noChangeAspect="1"/>
+          </p:cNvPicPr>
+          <p:nvPr/>
+        </p:nvPicPr>
+        <p:blipFill>
+          <a:blip r:embed="rId2">
+            <a:extLst>
+              <a:ext uri="{28A0092B-C50C-407E-A947-70E740481C1C}">
+                <a14:useLocalDpi xmlns:a14="http://schemas.microsoft.com/office/drawing/2010/main" val="0"/>
+              </a:ext>
+            </a:extLst>
+          </a:blip>
+          <a:stretch>
+            <a:fillRect/>
+          </a:stretch>
+        </p:blipFill>
+        <p:spPr>
+          <a:xfrm>
+            <a:off x="2964996" y="4659086"/>
+            <a:ext cx="3862524" cy="1931262"/>
+          </a:xfrm>
+          <a:prstGeom prst="rect">
+            <a:avLst/>
+          </a:prstGeom>
+        </p:spPr>
+      </p:pic>
+    </p:spTree>
+    <p:extLst>
+      <p:ext uri="{BB962C8B-B14F-4D97-AF65-F5344CB8AC3E}">
+        <p14:creationId xmlns:p14="http://schemas.microsoft.com/office/powerpoint/2010/main" val="3812345416"/>
+      </p:ext>
+    </p:extLst>
+  </p:cSld>
+  <p:clrMapOvr>
+    <a:masterClrMapping/>
+  </p:clrMapOvr>
+</p:sld>
+</file>
+
+<file path=ppt/slides/slide12.xml><?xml version="1.0" encoding="utf-8"?>
+<p:sld xmlns:a="http://schemas.openxmlformats.org/drawingml/2006/main" xmlns:r="http://schemas.openxmlformats.org/officeDocument/2006/relationships" xmlns:p="http://schemas.openxmlformats.org/presentationml/2006/main">
+  <p:cSld>
+    <p:spTree>
+      <p:nvGrpSpPr>
+        <p:cNvPr id="1" name=""/>
+        <p:cNvGrpSpPr/>
+        <p:nvPr/>
+      </p:nvGrpSpPr>
+      <p:grpSpPr>
+        <a:xfrm>
+          <a:off x="0" y="0"/>
+          <a:ext cx="0" cy="0"/>
+          <a:chOff x="0" y="0"/>
+          <a:chExt cx="0" cy="0"/>
+        </a:xfrm>
+      </p:grpSpPr>
+      <p:sp>
+        <p:nvSpPr>
+          <p:cNvPr id="3" name="Content Placeholder 2"/>
+          <p:cNvSpPr>
+            <a:spLocks noGrp="1"/>
+          </p:cNvSpPr>
+          <p:nvPr>
+            <p:ph idx="1"/>
+          </p:nvPr>
+        </p:nvSpPr>
+        <p:spPr>
+          <a:xfrm>
+            <a:off x="510066" y="621721"/>
+            <a:ext cx="8596668" cy="3880773"/>
+          </a:xfrm>
+        </p:spPr>
+        <p:txBody>
+          <a:bodyPr/>
+          <a:lstStyle/>
+          <a:p>
+            <a:pPr marL="0" indent="0">
+              <a:buNone/>
+            </a:pPr>
+            <a:r>
+              <a:rPr lang="en-US" dirty="0"/>
+              <a:t>d) Maturity teaching is the Baptism of the Holy Spirit but not re Baptism</a:t>
+            </a:r>
+            <a:r>
+              <a:rPr lang="en-US" dirty="0" smtClean="0"/>
+              <a:t>.</a:t>
+            </a:r>
+            <a:endParaRPr lang="en-US" dirty="0"/>
+          </a:p>
+          <a:p>
+            <a:pPr marL="0" indent="0">
+              <a:buNone/>
+            </a:pPr>
+            <a:r>
+              <a:rPr lang="en-US" dirty="0"/>
+              <a:t> </a:t>
+            </a:r>
+            <a:r>
+              <a:rPr lang="en-US" dirty="0" smtClean="0"/>
+              <a:t>e</a:t>
+            </a:r>
+            <a:r>
+              <a:rPr lang="en-US" dirty="0"/>
+              <a:t>) Maturity teaching is sending out believers </a:t>
+            </a:r>
+            <a:r>
+              <a:rPr lang="en-US" dirty="0" smtClean="0"/>
+              <a:t>evangelists </a:t>
+            </a:r>
+            <a:r>
+              <a:rPr lang="en-US" dirty="0"/>
+              <a:t>prophets, apostles to preach the gospel to the world while preparing the church for the rapture of Christ, </a:t>
+            </a:r>
+            <a:endParaRPr lang="en-US" dirty="0" smtClean="0"/>
+          </a:p>
+          <a:p>
+            <a:pPr marL="0" indent="0">
+              <a:buNone/>
+            </a:pPr>
+            <a:r>
+              <a:rPr lang="en-US" dirty="0" smtClean="0"/>
+              <a:t>f)Maturity </a:t>
+            </a:r>
+            <a:r>
+              <a:rPr lang="en-US" dirty="0"/>
+              <a:t>teaching is not simply laying hands but it is impairing of the gifts of the Holy Spirit laying on the hands   </a:t>
+            </a:r>
+            <a:r>
+              <a:rPr lang="en-US" dirty="0" smtClean="0"/>
+              <a:t>(II </a:t>
+            </a:r>
+            <a:r>
+              <a:rPr lang="en-US" dirty="0"/>
+              <a:t>T</a:t>
+            </a:r>
+            <a:r>
+              <a:rPr lang="en-US" dirty="0" smtClean="0"/>
+              <a:t>himothy 1:6</a:t>
+            </a:r>
+            <a:r>
+              <a:rPr lang="en-US" dirty="0"/>
+              <a:t>)</a:t>
+            </a:r>
+            <a:endParaRPr lang="en-US" dirty="0" smtClean="0"/>
+          </a:p>
+          <a:p>
+            <a:endParaRPr lang="en-US" dirty="0"/>
+          </a:p>
+        </p:txBody>
+      </p:sp>
+      <p:pic>
+        <p:nvPicPr>
+          <p:cNvPr id="4" name="Picture 3"/>
+          <p:cNvPicPr>
+            <a:picLocks noChangeAspect="1"/>
+          </p:cNvPicPr>
+          <p:nvPr/>
+        </p:nvPicPr>
+        <p:blipFill>
+          <a:blip r:embed="rId2" cstate="print">
+            <a:extLst>
+              <a:ext uri="{28A0092B-C50C-407E-A947-70E740481C1C}">
+                <a14:useLocalDpi xmlns:a14="http://schemas.microsoft.com/office/drawing/2010/main" val="0"/>
+              </a:ext>
+            </a:extLst>
+          </a:blip>
+          <a:stretch>
+            <a:fillRect/>
+          </a:stretch>
+        </p:blipFill>
+        <p:spPr>
+          <a:xfrm>
+            <a:off x="2042762" y="3272967"/>
+            <a:ext cx="4706086" cy="2964377"/>
+          </a:xfrm>
+          <a:prstGeom prst="rect">
+            <a:avLst/>
+          </a:prstGeom>
+        </p:spPr>
+      </p:pic>
+    </p:spTree>
+    <p:extLst>
+      <p:ext uri="{BB962C8B-B14F-4D97-AF65-F5344CB8AC3E}">
+        <p14:creationId xmlns:p14="http://schemas.microsoft.com/office/powerpoint/2010/main" val="1626282089"/>
+      </p:ext>
+    </p:extLst>
+  </p:cSld>
+  <p:clrMapOvr>
+    <a:masterClrMapping/>
+  </p:clrMapOvr>
+</p:sld>
+</file>
+
+<file path=ppt/slides/slide13.xml><?xml version="1.0" encoding="utf-8"?>
+<p:sld xmlns:a="http://schemas.openxmlformats.org/drawingml/2006/main" xmlns:r="http://schemas.openxmlformats.org/officeDocument/2006/relationships" xmlns:p="http://schemas.openxmlformats.org/presentationml/2006/main">
+  <p:cSld>
+    <p:spTree>
+      <p:nvGrpSpPr>
+        <p:cNvPr id="1" name=""/>
+        <p:cNvGrpSpPr/>
+        <p:nvPr/>
+      </p:nvGrpSpPr>
+      <p:grpSpPr>
+        <a:xfrm>
+          <a:off x="0" y="0"/>
+          <a:ext cx="0" cy="0"/>
+          <a:chOff x="0" y="0"/>
+          <a:chExt cx="0" cy="0"/>
+        </a:xfrm>
+      </p:grpSpPr>
+      <p:sp>
+        <p:nvSpPr>
+          <p:cNvPr id="3" name="Content Placeholder 2"/>
+          <p:cNvSpPr>
+            <a:spLocks noGrp="1"/>
+          </p:cNvSpPr>
+          <p:nvPr>
+            <p:ph idx="1"/>
+          </p:nvPr>
+        </p:nvSpPr>
+        <p:spPr>
+          <a:xfrm>
+            <a:off x="576973" y="933955"/>
+            <a:ext cx="8596668" cy="3880773"/>
+          </a:xfrm>
+        </p:spPr>
+        <p:txBody>
+          <a:bodyPr/>
+          <a:lstStyle/>
+          <a:p>
+            <a:pPr marL="0" indent="0">
+              <a:buNone/>
+            </a:pPr>
+            <a:r>
+              <a:rPr lang="en-US" dirty="0"/>
+              <a:t>g) Maturity teaching is all about the bodily ascension of the church. </a:t>
+            </a:r>
+          </a:p>
+          <a:p>
+            <a:pPr marL="0" indent="0">
+              <a:buNone/>
+            </a:pPr>
+            <a:r>
+              <a:rPr lang="en-US" dirty="0"/>
+              <a:t>It has nothing to do with the resurrection of the body.</a:t>
+            </a:r>
+          </a:p>
+          <a:p>
+            <a:pPr marL="0" indent="0">
+              <a:buNone/>
+            </a:pPr>
+            <a:r>
+              <a:rPr lang="en-US" dirty="0"/>
+              <a:t>           </a:t>
+            </a:r>
+            <a:r>
+              <a:rPr lang="en-US" dirty="0" smtClean="0"/>
+              <a:t>Maturity Teaching </a:t>
+            </a:r>
+            <a:r>
+              <a:rPr lang="en-US" dirty="0"/>
+              <a:t>aims at the rapture of the  Living saints but not at the ascension of the believes who slept in the lord with rapture faith.</a:t>
+            </a:r>
+          </a:p>
+          <a:p>
+            <a:endParaRPr lang="en-US" dirty="0"/>
+          </a:p>
+        </p:txBody>
+      </p:sp>
+      <p:pic>
+        <p:nvPicPr>
+          <p:cNvPr id="4" name="Picture 3"/>
+          <p:cNvPicPr>
+            <a:picLocks noChangeAspect="1"/>
+          </p:cNvPicPr>
+          <p:nvPr/>
+        </p:nvPicPr>
+        <p:blipFill>
+          <a:blip r:embed="rId2">
+            <a:extLst>
+              <a:ext uri="{28A0092B-C50C-407E-A947-70E740481C1C}">
+                <a14:useLocalDpi xmlns:a14="http://schemas.microsoft.com/office/drawing/2010/main" val="0"/>
+              </a:ext>
+            </a:extLst>
+          </a:blip>
+          <a:stretch>
+            <a:fillRect/>
+          </a:stretch>
+        </p:blipFill>
+        <p:spPr>
+          <a:xfrm>
+            <a:off x="2352908" y="3044283"/>
+            <a:ext cx="4388118" cy="3303795"/>
+          </a:xfrm>
+          <a:prstGeom prst="rect">
+            <a:avLst/>
+          </a:prstGeom>
+        </p:spPr>
+      </p:pic>
+    </p:spTree>
+    <p:extLst>
+      <p:ext uri="{BB962C8B-B14F-4D97-AF65-F5344CB8AC3E}">
+        <p14:creationId xmlns:p14="http://schemas.microsoft.com/office/powerpoint/2010/main" val="1746092070"/>
+      </p:ext>
+    </p:extLst>
+  </p:cSld>
+  <p:clrMapOvr>
+    <a:masterClrMapping/>
+  </p:clrMapOvr>
+</p:sld>
+</file>
+
+<file path=ppt/slides/slide14.xml><?xml version="1.0" encoding="utf-8"?>
+<p:sld xmlns:a="http://schemas.openxmlformats.org/drawingml/2006/main" xmlns:r="http://schemas.openxmlformats.org/officeDocument/2006/relationships" xmlns:p="http://schemas.openxmlformats.org/presentationml/2006/main">
+  <p:cSld>
+    <p:spTree>
+      <p:nvGrpSpPr>
+        <p:cNvPr id="1" name=""/>
+        <p:cNvGrpSpPr/>
+        <p:nvPr/>
+      </p:nvGrpSpPr>
+      <p:grpSpPr>
+        <a:xfrm>
+          <a:off x="0" y="0"/>
+          <a:ext cx="0" cy="0"/>
+          <a:chOff x="0" y="0"/>
+          <a:chExt cx="0" cy="0"/>
+        </a:xfrm>
+      </p:grpSpPr>
+      <p:sp>
+        <p:nvSpPr>
+          <p:cNvPr id="3" name="Content Placeholder 2"/>
+          <p:cNvSpPr>
+            <a:spLocks noGrp="1"/>
+          </p:cNvSpPr>
+          <p:nvPr>
+            <p:ph idx="1"/>
+          </p:nvPr>
+        </p:nvSpPr>
+        <p:spPr>
+          <a:xfrm>
+            <a:off x="389951" y="323080"/>
+            <a:ext cx="8596668" cy="6121263"/>
+          </a:xfrm>
+        </p:spPr>
+        <p:txBody>
+          <a:bodyPr>
+            <a:normAutofit/>
+          </a:bodyPr>
+          <a:lstStyle/>
+          <a:p>
+            <a:pPr marL="0" indent="0">
+              <a:buNone/>
+            </a:pPr>
+            <a:r>
+              <a:rPr lang="en-US" dirty="0" smtClean="0"/>
+              <a:t>H )Maturity </a:t>
+            </a:r>
+            <a:r>
+              <a:rPr lang="en-US" dirty="0"/>
+              <a:t>teaching is that "And so we will be with the Lord </a:t>
+            </a:r>
+            <a:r>
+              <a:rPr lang="en-US" dirty="0" smtClean="0"/>
+              <a:t>forever“                   ( </a:t>
+            </a:r>
+            <a:r>
+              <a:rPr lang="en-US" dirty="0"/>
+              <a:t>I </a:t>
+            </a:r>
+            <a:r>
+              <a:rPr lang="en-US" dirty="0" smtClean="0"/>
+              <a:t>Thes 4:17)</a:t>
+            </a:r>
+          </a:p>
+          <a:p>
+            <a:pPr marL="0" indent="0">
+              <a:buNone/>
+            </a:pPr>
+            <a:r>
+              <a:rPr lang="en-US" dirty="0"/>
+              <a:t> </a:t>
+            </a:r>
+            <a:r>
+              <a:rPr lang="en-US" dirty="0" smtClean="0"/>
+              <a:t>            </a:t>
+            </a:r>
+            <a:r>
+              <a:rPr lang="en-US" dirty="0"/>
+              <a:t>It does not focus on the eternal judgement.</a:t>
+            </a:r>
+          </a:p>
+          <a:p>
+            <a:pPr marL="0" indent="0">
+              <a:buNone/>
+            </a:pPr>
+            <a:r>
+              <a:rPr lang="en-US" dirty="0"/>
+              <a:t>             Rather </a:t>
+            </a:r>
+            <a:r>
+              <a:rPr lang="en-US" dirty="0" smtClean="0"/>
+              <a:t>Maturity Teaching </a:t>
+            </a:r>
+            <a:r>
+              <a:rPr lang="en-US" dirty="0"/>
+              <a:t>makes believers to pray and plead </a:t>
+            </a:r>
+            <a:r>
+              <a:rPr lang="en-US" dirty="0" smtClean="0"/>
+              <a:t>God </a:t>
+            </a:r>
+            <a:r>
+              <a:rPr lang="en-US" dirty="0"/>
+              <a:t>to save people from the eternal judgement or the great white throne judgement.</a:t>
+            </a:r>
+          </a:p>
+          <a:p>
+            <a:pPr marL="0" indent="0">
+              <a:buNone/>
+            </a:pPr>
+            <a:r>
+              <a:rPr lang="en-US" dirty="0"/>
+              <a:t>             </a:t>
+            </a:r>
+            <a:r>
+              <a:rPr lang="en-US" dirty="0" smtClean="0"/>
+              <a:t>Maturity Teaching </a:t>
+            </a:r>
+            <a:r>
+              <a:rPr lang="en-US" dirty="0"/>
+              <a:t>focusses on preaching much about Salvation and perfection and preaching less about </a:t>
+            </a:r>
+            <a:r>
+              <a:rPr lang="en-US" dirty="0" smtClean="0"/>
+              <a:t>condemnation </a:t>
+            </a:r>
+            <a:r>
+              <a:rPr lang="en-US" dirty="0"/>
+              <a:t>and hell fire</a:t>
+            </a:r>
+          </a:p>
+          <a:p>
+            <a:pPr marL="0" indent="0">
+              <a:buNone/>
+            </a:pPr>
+            <a:r>
+              <a:rPr lang="en-US" dirty="0"/>
+              <a:t>           </a:t>
+            </a:r>
+            <a:endParaRPr lang="en-IN" dirty="0"/>
+          </a:p>
+        </p:txBody>
+      </p:sp>
+      <p:pic>
+        <p:nvPicPr>
+          <p:cNvPr id="4" name="Picture 3"/>
+          <p:cNvPicPr>
+            <a:picLocks noChangeAspect="1"/>
+          </p:cNvPicPr>
+          <p:nvPr/>
+        </p:nvPicPr>
+        <p:blipFill>
+          <a:blip r:embed="rId2" cstate="print">
+            <a:extLst>
+              <a:ext uri="{28A0092B-C50C-407E-A947-70E740481C1C}">
+                <a14:useLocalDpi xmlns:a14="http://schemas.microsoft.com/office/drawing/2010/main" val="0"/>
+              </a:ext>
+            </a:extLst>
+          </a:blip>
+          <a:stretch>
+            <a:fillRect/>
+          </a:stretch>
+        </p:blipFill>
+        <p:spPr>
+          <a:xfrm>
+            <a:off x="2116715" y="3383711"/>
+            <a:ext cx="4537166" cy="2737104"/>
+          </a:xfrm>
+          <a:prstGeom prst="rect">
+            <a:avLst/>
+          </a:prstGeom>
+        </p:spPr>
+      </p:pic>
+    </p:spTree>
+    <p:extLst>
+      <p:ext uri="{BB962C8B-B14F-4D97-AF65-F5344CB8AC3E}">
+        <p14:creationId xmlns:p14="http://schemas.microsoft.com/office/powerpoint/2010/main" val="3533657778"/>
+      </p:ext>
+    </p:extLst>
+  </p:cSld>
+  <p:clrMapOvr>
+    <a:masterClrMapping/>
+  </p:clrMapOvr>
+</p:sld>
+</file>
+
+<file path=ppt/slides/slide15.xml><?xml version="1.0" encoding="utf-8"?>
+<p:sld xmlns:a="http://schemas.openxmlformats.org/drawingml/2006/main" xmlns:r="http://schemas.openxmlformats.org/officeDocument/2006/relationships" xmlns:p="http://schemas.openxmlformats.org/presentationml/2006/main">
+  <p:cSld>
+    <p:spTree>
+      <p:nvGrpSpPr>
+        <p:cNvPr id="1" name=""/>
+        <p:cNvGrpSpPr/>
+        <p:nvPr/>
+      </p:nvGrpSpPr>
+      <p:grpSpPr>
+        <a:xfrm>
+          <a:off x="0" y="0"/>
+          <a:ext cx="0" cy="0"/>
+          <a:chOff x="0" y="0"/>
+          <a:chExt cx="0" cy="0"/>
+        </a:xfrm>
+      </p:grpSpPr>
+      <p:sp>
+        <p:nvSpPr>
           <p:cNvPr id="4" name="Title 3"/>
           <p:cNvSpPr>
             <a:spLocks noGrp="1"/>
@@ -5852,16 +6904,344 @@
             <p:ph type="title"/>
           </p:nvPr>
         </p:nvSpPr>
+        <p:spPr>
+          <a:xfrm>
+            <a:off x="677333" y="330820"/>
+            <a:ext cx="8596668" cy="1320800"/>
+          </a:xfrm>
+        </p:spPr>
+        <p:txBody>
+          <a:bodyPr>
+            <a:noAutofit/>
+          </a:bodyPr>
+          <a:lstStyle/>
+          <a:p>
+            <a:r>
+              <a:rPr lang="en-US" sz="4400" dirty="0">
+                <a:solidFill>
+                  <a:schemeClr val="tx1"/>
+                </a:solidFill>
+              </a:rPr>
+              <a:t>Maturity Teaching  in contrast with the elementary teaching:</a:t>
+            </a:r>
+            <a:endParaRPr lang="en-IN" sz="4400" dirty="0">
+              <a:solidFill>
+                <a:schemeClr val="tx1"/>
+              </a:solidFill>
+            </a:endParaRPr>
+          </a:p>
+        </p:txBody>
+      </p:sp>
+      <p:sp>
+        <p:nvSpPr>
+          <p:cNvPr id="5" name="Text Placeholder 4"/>
+          <p:cNvSpPr>
+            <a:spLocks noGrp="1"/>
+          </p:cNvSpPr>
+          <p:nvPr>
+            <p:ph type="body" idx="1"/>
+          </p:nvPr>
+        </p:nvSpPr>
         <p:spPr/>
         <p:txBody>
           <a:bodyPr/>
           <a:lstStyle/>
           <a:p>
             <a:r>
+              <a:rPr lang="en-IN" dirty="0"/>
+              <a:t>Elementary teaching </a:t>
+            </a:r>
+          </a:p>
+        </p:txBody>
+      </p:sp>
+      <p:sp>
+        <p:nvSpPr>
+          <p:cNvPr id="6" name="Content Placeholder 5"/>
+          <p:cNvSpPr>
+            <a:spLocks noGrp="1"/>
+          </p:cNvSpPr>
+          <p:nvPr>
+            <p:ph sz="half" idx="2"/>
+          </p:nvPr>
+        </p:nvSpPr>
+        <p:spPr/>
+        <p:txBody>
+          <a:bodyPr>
+            <a:normAutofit fontScale="85000" lnSpcReduction="20000"/>
+          </a:bodyPr>
+          <a:lstStyle/>
+          <a:p>
+            <a:r>
+              <a:rPr lang="en-IN" dirty="0"/>
+              <a:t>word of </a:t>
+            </a:r>
+            <a:r>
+              <a:rPr lang="en-IN" dirty="0" smtClean="0"/>
+              <a:t>God </a:t>
+            </a:r>
+            <a:endParaRPr lang="en-IN" dirty="0"/>
+          </a:p>
+          <a:p>
+            <a:r>
+              <a:rPr lang="en-IN" dirty="0"/>
+              <a:t>teachings of apostles</a:t>
+            </a:r>
+          </a:p>
+          <a:p>
+            <a:r>
+              <a:rPr lang="en-IN" dirty="0"/>
+              <a:t>the holy communion </a:t>
+            </a:r>
+          </a:p>
+          <a:p>
+            <a:r>
+              <a:rPr lang="en-IN" dirty="0"/>
+              <a:t>perennial prayer</a:t>
+            </a:r>
+          </a:p>
+          <a:p>
+            <a:r>
+              <a:rPr lang="en-IN" dirty="0"/>
+              <a:t>constant </a:t>
+            </a:r>
+            <a:r>
+              <a:rPr lang="en-IN" dirty="0" smtClean="0"/>
+              <a:t>confession </a:t>
+            </a:r>
+            <a:r>
+              <a:rPr lang="en-IN" dirty="0"/>
+              <a:t>of </a:t>
+            </a:r>
+            <a:r>
+              <a:rPr lang="en-IN" dirty="0" smtClean="0"/>
+              <a:t>sins </a:t>
+            </a:r>
+            <a:endParaRPr lang="en-IN" dirty="0"/>
+          </a:p>
+          <a:p>
+            <a:r>
+              <a:rPr lang="en-IN" dirty="0"/>
+              <a:t>basic faith for salvation </a:t>
+            </a:r>
+          </a:p>
+          <a:p>
+            <a:r>
+              <a:rPr lang="en-IN" dirty="0"/>
+              <a:t>water baptism &amp; many baptisms </a:t>
+            </a:r>
+          </a:p>
+          <a:p>
+            <a:r>
+              <a:rPr lang="en-IN" dirty="0"/>
+              <a:t>laying on the hands(functional) </a:t>
+            </a:r>
+          </a:p>
+          <a:p>
+            <a:r>
+              <a:rPr lang="en-IN" dirty="0"/>
+              <a:t>locking for resurrection </a:t>
+            </a:r>
+          </a:p>
+          <a:p>
+            <a:r>
               <a:rPr lang="en-US" dirty="0"/>
-              <a:t>Elementary Teaching and Maturity Teachings</a:t>
+              <a:t>electrical judgement( </a:t>
+            </a:r>
+            <a:r>
+              <a:rPr lang="en-US" dirty="0" smtClean="0"/>
+              <a:t>scares </a:t>
+            </a:r>
+            <a:r>
+              <a:rPr lang="en-US" dirty="0"/>
+              <a:t>of lake of fire)</a:t>
             </a:r>
             <a:endParaRPr lang="en-IN" dirty="0"/>
+          </a:p>
+        </p:txBody>
+      </p:sp>
+      <p:sp>
+        <p:nvSpPr>
+          <p:cNvPr id="7" name="Text Placeholder 6"/>
+          <p:cNvSpPr>
+            <a:spLocks noGrp="1"/>
+          </p:cNvSpPr>
+          <p:nvPr>
+            <p:ph type="body" sz="quarter" idx="3"/>
+          </p:nvPr>
+        </p:nvSpPr>
+        <p:spPr/>
+        <p:txBody>
+          <a:bodyPr/>
+          <a:lstStyle/>
+          <a:p>
+            <a:r>
+              <a:rPr lang="en-IN" dirty="0"/>
+              <a:t>Maturity teaching</a:t>
+            </a:r>
+          </a:p>
+        </p:txBody>
+      </p:sp>
+      <p:sp>
+        <p:nvSpPr>
+          <p:cNvPr id="8" name="Content Placeholder 7"/>
+          <p:cNvSpPr>
+            <a:spLocks noGrp="1"/>
+          </p:cNvSpPr>
+          <p:nvPr>
+            <p:ph sz="quarter" idx="4"/>
+          </p:nvPr>
+        </p:nvSpPr>
+        <p:spPr/>
+        <p:txBody>
+          <a:bodyPr>
+            <a:normAutofit fontScale="70000" lnSpcReduction="20000"/>
+          </a:bodyPr>
+          <a:lstStyle/>
+          <a:p>
+            <a:r>
+              <a:rPr lang="en-IN" dirty="0"/>
+              <a:t>living word (i.e. Jesus)</a:t>
+            </a:r>
+          </a:p>
+          <a:p>
+            <a:r>
+              <a:rPr lang="en-IN" dirty="0"/>
+              <a:t>revelation from the lord</a:t>
+            </a:r>
+          </a:p>
+          <a:p>
+            <a:r>
+              <a:rPr lang="en-US" dirty="0"/>
+              <a:t> the glorious communion served by the lord himself</a:t>
+            </a:r>
+          </a:p>
+          <a:p>
+            <a:r>
+              <a:rPr lang="en-US" dirty="0"/>
+              <a:t>face to face fellowship with the lord</a:t>
+            </a:r>
+          </a:p>
+          <a:p>
+            <a:r>
+              <a:rPr lang="en-US" dirty="0" smtClean="0"/>
+              <a:t>praising God </a:t>
+            </a:r>
+            <a:r>
+              <a:rPr lang="en-US" dirty="0"/>
+              <a:t>for complete forgiveness</a:t>
+            </a:r>
+          </a:p>
+          <a:p>
+            <a:r>
+              <a:rPr lang="en-IN" dirty="0"/>
+              <a:t>rapture faith for ascension</a:t>
+            </a:r>
+          </a:p>
+          <a:p>
+            <a:r>
+              <a:rPr lang="en-US" dirty="0"/>
+              <a:t>one baptism. the baptism of the holy spirit</a:t>
+            </a:r>
+          </a:p>
+          <a:p>
+            <a:r>
+              <a:rPr lang="en-US" dirty="0"/>
+              <a:t>imparting the gifts of the holy spirit (spirit filled)</a:t>
+            </a:r>
+          </a:p>
+          <a:p>
+            <a:r>
+              <a:rPr lang="en-US" dirty="0"/>
+              <a:t>waiting for the rapture cloud (shekchina)</a:t>
+            </a:r>
+          </a:p>
+          <a:p>
+            <a:r>
+              <a:rPr lang="en-US" dirty="0"/>
+              <a:t>eternal salvation.( </a:t>
+            </a:r>
+            <a:r>
+              <a:rPr lang="en-US" dirty="0" err="1" smtClean="0"/>
+              <a:t>fullfillment</a:t>
+            </a:r>
+            <a:r>
+              <a:rPr lang="en-US" dirty="0" smtClean="0"/>
+              <a:t> </a:t>
+            </a:r>
+            <a:r>
+              <a:rPr lang="en-US" dirty="0"/>
+              <a:t>of the three fold solvation 30, 60, 100)</a:t>
+            </a:r>
+            <a:endParaRPr lang="en-IN" dirty="0"/>
+          </a:p>
+        </p:txBody>
+      </p:sp>
+    </p:spTree>
+    <p:extLst>
+      <p:ext uri="{BB962C8B-B14F-4D97-AF65-F5344CB8AC3E}">
+        <p14:creationId xmlns:p14="http://schemas.microsoft.com/office/powerpoint/2010/main" val="3382724315"/>
+      </p:ext>
+    </p:extLst>
+  </p:cSld>
+  <p:clrMapOvr>
+    <a:masterClrMapping/>
+  </p:clrMapOvr>
+</p:sld>
+</file>
+
+<file path=ppt/slides/slide2.xml><?xml version="1.0" encoding="utf-8"?>
+<p:sld xmlns:a="http://schemas.openxmlformats.org/drawingml/2006/main" xmlns:r="http://schemas.openxmlformats.org/officeDocument/2006/relationships" xmlns:p="http://schemas.openxmlformats.org/presentationml/2006/main">
+  <p:cSld>
+    <p:spTree>
+      <p:nvGrpSpPr>
+        <p:cNvPr id="1" name=""/>
+        <p:cNvGrpSpPr/>
+        <p:nvPr/>
+      </p:nvGrpSpPr>
+      <p:grpSpPr>
+        <a:xfrm>
+          <a:off x="0" y="0"/>
+          <a:ext cx="0" cy="0"/>
+          <a:chOff x="0" y="0"/>
+          <a:chExt cx="0" cy="0"/>
+        </a:xfrm>
+      </p:grpSpPr>
+      <p:sp>
+        <p:nvSpPr>
+          <p:cNvPr id="4" name="Title 3"/>
+          <p:cNvSpPr>
+            <a:spLocks noGrp="1"/>
+          </p:cNvSpPr>
+          <p:nvPr>
+            <p:ph type="title"/>
+          </p:nvPr>
+        </p:nvSpPr>
+        <p:spPr/>
+        <p:txBody>
+          <a:bodyPr/>
+          <a:lstStyle/>
+          <a:p>
+            <a:r>
+              <a:rPr lang="en-US" sz="4400" dirty="0">
+                <a:solidFill>
+                  <a:schemeClr val="tx1"/>
+                </a:solidFill>
+              </a:rPr>
+              <a:t>Elementary</a:t>
+            </a:r>
+            <a:r>
+              <a:rPr lang="en-US" dirty="0">
+                <a:solidFill>
+                  <a:schemeClr val="tx1"/>
+                </a:solidFill>
+              </a:rPr>
+              <a:t> Teaching and Maturity Teachings</a:t>
+            </a:r>
+            <a:endParaRPr lang="en-IN" dirty="0">
+              <a:solidFill>
+                <a:schemeClr val="tx1"/>
+              </a:solidFill>
+            </a:endParaRPr>
           </a:p>
         </p:txBody>
       </p:sp>
@@ -6098,7 +7478,21 @@
                 <a:latin typeface="Arial" panose="020B0604020202020204" pitchFamily="34" charset="0"/>
                 <a:cs typeface="Arial" panose="020B0604020202020204" pitchFamily="34" charset="0"/>
               </a:rPr>
-              <a:t>                  Belief in God i.e. faith in the Lord;</a:t>
+              <a:t>                  Belief in </a:t>
+            </a:r>
+            <a:r>
+              <a:rPr lang="en-US" dirty="0" smtClean="0">
+                <a:latin typeface="Arial" panose="020B0604020202020204" pitchFamily="34" charset="0"/>
+                <a:cs typeface="Arial" panose="020B0604020202020204" pitchFamily="34" charset="0"/>
+              </a:rPr>
+              <a:t>God </a:t>
+            </a:r>
+            <a:r>
+              <a:rPr lang="en-US" dirty="0">
+                <a:latin typeface="Arial" panose="020B0604020202020204" pitchFamily="34" charset="0"/>
+                <a:cs typeface="Arial" panose="020B0604020202020204" pitchFamily="34" charset="0"/>
+              </a:rPr>
+              <a:t>i.e. faith in the Lord;</a:t>
             </a:r>
           </a:p>
           <a:p>
@@ -6216,7 +7610,7 @@
 </p:sld>
 </file>
 
-<file path=ppt/slides/slide10.xml><?xml version="1.0" encoding="utf-8"?>
+<file path=ppt/slides/slide3.xml><?xml version="1.0" encoding="utf-8"?>
 <p:sld xmlns:a="http://schemas.openxmlformats.org/drawingml/2006/main" xmlns:r="http://schemas.openxmlformats.org/officeDocument/2006/relationships" xmlns:p="http://schemas.openxmlformats.org/presentationml/2006/main">
   <p:cSld>
     <p:spTree>
@@ -6235,972 +7629,6 @@
       </p:grpSpPr>
       <p:sp>
         <p:nvSpPr>
-          <p:cNvPr id="2" name="Title 1"/>
-          <p:cNvSpPr>
-            <a:spLocks noGrp="1"/>
-          </p:cNvSpPr>
-          <p:nvPr>
-            <p:ph type="title"/>
-          </p:nvPr>
-        </p:nvSpPr>
-        <p:spPr/>
-        <p:txBody>
-          <a:bodyPr/>
-          <a:lstStyle/>
-          <a:p>
-            <a:r>
-              <a:rPr lang="en-IN" dirty="0"/>
-              <a:t>Maturity Teaching.</a:t>
-            </a:r>
-          </a:p>
-        </p:txBody>
-      </p:sp>
-      <p:sp>
-        <p:nvSpPr>
-          <p:cNvPr id="3" name="Content Placeholder 2"/>
-          <p:cNvSpPr>
-            <a:spLocks noGrp="1"/>
-          </p:cNvSpPr>
-          <p:nvPr>
-            <p:ph idx="1"/>
-          </p:nvPr>
-        </p:nvSpPr>
-        <p:spPr>
-          <a:xfrm>
-            <a:off x="677334" y="1472612"/>
-            <a:ext cx="8596668" cy="3186474"/>
-          </a:xfrm>
-        </p:spPr>
-        <p:txBody>
-          <a:bodyPr>
-            <a:normAutofit fontScale="92500" lnSpcReduction="10000"/>
-          </a:bodyPr>
-          <a:lstStyle/>
-          <a:p>
-            <a:r>
-              <a:rPr lang="en-US" dirty="0"/>
-              <a:t>Maturity teaching is the solid food that was mentioned and prescribed by </a:t>
-            </a:r>
-            <a:r>
-              <a:rPr lang="en-US" dirty="0"/>
-              <a:t>S</a:t>
-            </a:r>
-            <a:r>
-              <a:rPr lang="en-US" dirty="0" smtClean="0"/>
-              <a:t>t </a:t>
-            </a:r>
-            <a:r>
-              <a:rPr lang="en-US" dirty="0"/>
-              <a:t>Paul </a:t>
-            </a:r>
-            <a:r>
-              <a:rPr lang="en-US" dirty="0" smtClean="0"/>
-              <a:t>in (Heb 5:12- 14) </a:t>
-            </a:r>
-            <a:r>
-              <a:rPr lang="en-US" dirty="0"/>
-              <a:t>against </a:t>
-            </a:r>
-            <a:r>
-              <a:rPr lang="en-US" dirty="0" smtClean="0"/>
-              <a:t>simple </a:t>
-            </a:r>
-            <a:r>
-              <a:rPr lang="en-US" dirty="0"/>
-              <a:t>nulk. The same we see in (I </a:t>
-            </a:r>
-            <a:r>
-              <a:rPr lang="en-US" dirty="0" smtClean="0"/>
-              <a:t>cor 3:1-2</a:t>
-            </a:r>
-            <a:r>
-              <a:rPr lang="en-US" dirty="0"/>
-              <a:t>) also.</a:t>
-            </a:r>
-          </a:p>
-          <a:p>
-            <a:pPr marL="0" indent="0">
-              <a:buNone/>
-            </a:pPr>
-            <a:r>
-              <a:rPr lang="en-US" dirty="0"/>
-              <a:t>       </a:t>
-            </a:r>
-          </a:p>
-          <a:p>
-            <a:pPr marL="0" indent="0">
-              <a:buNone/>
-            </a:pPr>
-            <a:r>
-              <a:rPr lang="en-US" dirty="0"/>
-              <a:t>        a)It is concerned with the super structure not the </a:t>
-            </a:r>
-            <a:r>
-              <a:rPr lang="en-US" dirty="0" smtClean="0"/>
-              <a:t>foundation (I cor 3:10-14)</a:t>
-            </a:r>
-            <a:endParaRPr lang="en-US" dirty="0"/>
-          </a:p>
-          <a:p>
-            <a:pPr marL="0" indent="0">
-              <a:buNone/>
-            </a:pPr>
-            <a:r>
-              <a:rPr lang="en-US" dirty="0"/>
-              <a:t>        b)It is accruing the righteous of Christ  </a:t>
-            </a:r>
-            <a:r>
-              <a:rPr lang="en-US" dirty="0" smtClean="0"/>
-              <a:t>(Heb </a:t>
-            </a:r>
-            <a:r>
-              <a:rPr lang="en-US" dirty="0"/>
-              <a:t>5 </a:t>
-            </a:r>
-            <a:r>
-              <a:rPr lang="en-US" dirty="0" smtClean="0"/>
-              <a:t>:13), </a:t>
-            </a:r>
-            <a:r>
-              <a:rPr lang="en-US" dirty="0"/>
-              <a:t>but not ceremonial repentance.</a:t>
-            </a:r>
-          </a:p>
-          <a:p>
-            <a:pPr marL="0" indent="0">
-              <a:buNone/>
-            </a:pPr>
-            <a:r>
-              <a:rPr lang="en-US" dirty="0"/>
-              <a:t>        c)It is exhibiting the faith that welcome the world </a:t>
-            </a:r>
-            <a:r>
-              <a:rPr lang="en-US" dirty="0" smtClean="0"/>
-              <a:t>(I </a:t>
-            </a:r>
-            <a:r>
-              <a:rPr lang="en-US" dirty="0"/>
-              <a:t>Iohn </a:t>
-            </a:r>
-            <a:r>
-              <a:rPr lang="en-US" dirty="0" smtClean="0"/>
-              <a:t>5:4),</a:t>
-            </a:r>
-            <a:r>
-              <a:rPr lang="en-US" dirty="0"/>
-              <a:t>the faith that symbolizes and stands out the bride from aiming the maidens, as the wife of the Lands   </a:t>
-            </a:r>
-            <a:r>
-              <a:rPr lang="en-US" dirty="0" smtClean="0"/>
-              <a:t>(R 19:7)</a:t>
-            </a:r>
-            <a:endParaRPr lang="en-US" dirty="0"/>
-          </a:p>
-          <a:p>
-            <a:pPr marL="0" indent="0">
-              <a:buNone/>
-            </a:pPr>
-            <a:r>
-              <a:rPr lang="en-US" dirty="0"/>
-              <a:t>       </a:t>
-            </a:r>
-          </a:p>
-          <a:p>
-            <a:pPr marL="0" indent="0">
-              <a:buNone/>
-            </a:pPr>
-            <a:endParaRPr lang="en-IN" dirty="0"/>
-          </a:p>
-        </p:txBody>
-      </p:sp>
-      <p:pic>
-        <p:nvPicPr>
-          <p:cNvPr id="4" name="Picture 3"/>
-          <p:cNvPicPr>
-            <a:picLocks noChangeAspect="1"/>
-          </p:cNvPicPr>
-          <p:nvPr/>
-        </p:nvPicPr>
-        <p:blipFill>
-          <a:blip r:embed="rId2">
-            <a:extLst>
-              <a:ext uri="{28A0092B-C50C-407E-A947-70E740481C1C}">
-                <a14:useLocalDpi xmlns:a14="http://schemas.microsoft.com/office/drawing/2010/main" val="0"/>
-              </a:ext>
-            </a:extLst>
-          </a:blip>
-          <a:stretch>
-            <a:fillRect/>
-          </a:stretch>
-        </p:blipFill>
-        <p:spPr>
-          <a:xfrm>
-            <a:off x="2964996" y="4659086"/>
-            <a:ext cx="3862524" cy="1931262"/>
-          </a:xfrm>
-          <a:prstGeom prst="rect">
-            <a:avLst/>
-          </a:prstGeom>
-        </p:spPr>
-      </p:pic>
-    </p:spTree>
-    <p:extLst>
-      <p:ext uri="{BB962C8B-B14F-4D97-AF65-F5344CB8AC3E}">
-        <p14:creationId xmlns:p14="http://schemas.microsoft.com/office/powerpoint/2010/main" val="3812345416"/>
-      </p:ext>
-    </p:extLst>
-  </p:cSld>
-  <p:clrMapOvr>
-    <a:masterClrMapping/>
-  </p:clrMapOvr>
-</p:sld>
-</file>
-
-<file path=ppt/slides/slide11.xml><?xml version="1.0" encoding="utf-8"?>
-<p:sld xmlns:a="http://schemas.openxmlformats.org/drawingml/2006/main" xmlns:r="http://schemas.openxmlformats.org/officeDocument/2006/relationships" xmlns:p="http://schemas.openxmlformats.org/presentationml/2006/main">
-  <p:cSld>
-    <p:spTree>
-      <p:nvGrpSpPr>
-        <p:cNvPr id="1" name=""/>
-        <p:cNvGrpSpPr/>
-        <p:nvPr/>
-      </p:nvGrpSpPr>
-      <p:grpSpPr>
-        <a:xfrm>
-          <a:off x="0" y="0"/>
-          <a:ext cx="0" cy="0"/>
-          <a:chOff x="0" y="0"/>
-          <a:chExt cx="0" cy="0"/>
-        </a:xfrm>
-      </p:grpSpPr>
-      <p:sp>
-        <p:nvSpPr>
-          <p:cNvPr id="3" name="Content Placeholder 2"/>
-          <p:cNvSpPr>
-            <a:spLocks noGrp="1"/>
-          </p:cNvSpPr>
-          <p:nvPr>
-            <p:ph idx="1"/>
-          </p:nvPr>
-        </p:nvSpPr>
-        <p:spPr>
-          <a:xfrm>
-            <a:off x="510066" y="621721"/>
-            <a:ext cx="8596668" cy="3880773"/>
-          </a:xfrm>
-        </p:spPr>
-        <p:txBody>
-          <a:bodyPr/>
-          <a:lstStyle/>
-          <a:p>
-            <a:pPr marL="0" indent="0">
-              <a:buNone/>
-            </a:pPr>
-            <a:r>
-              <a:rPr lang="en-US" dirty="0"/>
-              <a:t>d) Maturity teaching is the Baptism of the Holy Spirit but not re Baptism</a:t>
-            </a:r>
-            <a:r>
-              <a:rPr lang="en-US" dirty="0" smtClean="0"/>
-              <a:t>.</a:t>
-            </a:r>
-            <a:endParaRPr lang="en-US" dirty="0"/>
-          </a:p>
-          <a:p>
-            <a:pPr marL="0" indent="0">
-              <a:buNone/>
-            </a:pPr>
-            <a:r>
-              <a:rPr lang="en-US" dirty="0"/>
-              <a:t> </a:t>
-            </a:r>
-            <a:r>
-              <a:rPr lang="en-US" dirty="0" smtClean="0"/>
-              <a:t>e</a:t>
-            </a:r>
-            <a:r>
-              <a:rPr lang="en-US" dirty="0"/>
-              <a:t>) Maturity teaching is sending out believers </a:t>
-            </a:r>
-            <a:r>
-              <a:rPr lang="en-US" dirty="0" smtClean="0"/>
-              <a:t>evangelists </a:t>
-            </a:r>
-            <a:r>
-              <a:rPr lang="en-US" dirty="0"/>
-              <a:t>prophets, apostles to preach the gospel to the world while preparing the church for the rapture of Christ, </a:t>
-            </a:r>
-            <a:endParaRPr lang="en-US" dirty="0" smtClean="0"/>
-          </a:p>
-          <a:p>
-            <a:pPr marL="0" indent="0">
-              <a:buNone/>
-            </a:pPr>
-            <a:r>
-              <a:rPr lang="en-US" dirty="0" smtClean="0"/>
-              <a:t>f)Maturity </a:t>
-            </a:r>
-            <a:r>
-              <a:rPr lang="en-US" dirty="0"/>
-              <a:t>teaching is not simply laying hands but it is impairing of the gifts of the Holy Spirit laying on the hands   </a:t>
-            </a:r>
-            <a:r>
-              <a:rPr lang="en-US" dirty="0" smtClean="0"/>
-              <a:t>(II </a:t>
-            </a:r>
-            <a:r>
-              <a:rPr lang="en-US" dirty="0"/>
-              <a:t>T</a:t>
-            </a:r>
-            <a:r>
-              <a:rPr lang="en-US" dirty="0" smtClean="0"/>
-              <a:t>himothy 1:6</a:t>
-            </a:r>
-            <a:r>
-              <a:rPr lang="en-US" dirty="0"/>
-              <a:t>)</a:t>
-            </a:r>
-            <a:endParaRPr lang="en-US" dirty="0" smtClean="0"/>
-          </a:p>
-          <a:p>
-            <a:endParaRPr lang="en-US" dirty="0"/>
-          </a:p>
-        </p:txBody>
-      </p:sp>
-      <p:pic>
-        <p:nvPicPr>
-          <p:cNvPr id="4" name="Picture 3"/>
-          <p:cNvPicPr>
-            <a:picLocks noChangeAspect="1"/>
-          </p:cNvPicPr>
-          <p:nvPr/>
-        </p:nvPicPr>
-        <p:blipFill>
-          <a:blip r:embed="rId2" cstate="print">
-            <a:extLst>
-              <a:ext uri="{28A0092B-C50C-407E-A947-70E740481C1C}">
-                <a14:useLocalDpi xmlns:a14="http://schemas.microsoft.com/office/drawing/2010/main" val="0"/>
-              </a:ext>
-            </a:extLst>
-          </a:blip>
-          <a:stretch>
-            <a:fillRect/>
-          </a:stretch>
-        </p:blipFill>
-        <p:spPr>
-          <a:xfrm>
-            <a:off x="2042762" y="3272967"/>
-            <a:ext cx="4706086" cy="2964377"/>
-          </a:xfrm>
-          <a:prstGeom prst="rect">
-            <a:avLst/>
-          </a:prstGeom>
-        </p:spPr>
-      </p:pic>
-    </p:spTree>
-    <p:extLst>
-      <p:ext uri="{BB962C8B-B14F-4D97-AF65-F5344CB8AC3E}">
-        <p14:creationId xmlns:p14="http://schemas.microsoft.com/office/powerpoint/2010/main" val="1626282089"/>
-      </p:ext>
-    </p:extLst>
-  </p:cSld>
-  <p:clrMapOvr>
-    <a:masterClrMapping/>
-  </p:clrMapOvr>
-</p:sld>
-</file>
-
-<file path=ppt/slides/slide12.xml><?xml version="1.0" encoding="utf-8"?>
-<p:sld xmlns:a="http://schemas.openxmlformats.org/drawingml/2006/main" xmlns:r="http://schemas.openxmlformats.org/officeDocument/2006/relationships" xmlns:p="http://schemas.openxmlformats.org/presentationml/2006/main">
-  <p:cSld>
-    <p:spTree>
-      <p:nvGrpSpPr>
-        <p:cNvPr id="1" name=""/>
-        <p:cNvGrpSpPr/>
-        <p:nvPr/>
-      </p:nvGrpSpPr>
-      <p:grpSpPr>
-        <a:xfrm>
-          <a:off x="0" y="0"/>
-          <a:ext cx="0" cy="0"/>
-          <a:chOff x="0" y="0"/>
-          <a:chExt cx="0" cy="0"/>
-        </a:xfrm>
-      </p:grpSpPr>
-      <p:sp>
-        <p:nvSpPr>
-          <p:cNvPr id="3" name="Content Placeholder 2"/>
-          <p:cNvSpPr>
-            <a:spLocks noGrp="1"/>
-          </p:cNvSpPr>
-          <p:nvPr>
-            <p:ph idx="1"/>
-          </p:nvPr>
-        </p:nvSpPr>
-        <p:spPr>
-          <a:xfrm>
-            <a:off x="576973" y="933955"/>
-            <a:ext cx="8596668" cy="3880773"/>
-          </a:xfrm>
-        </p:spPr>
-        <p:txBody>
-          <a:bodyPr/>
-          <a:lstStyle/>
-          <a:p>
-            <a:pPr marL="0" indent="0">
-              <a:buNone/>
-            </a:pPr>
-            <a:r>
-              <a:rPr lang="en-US" dirty="0"/>
-              <a:t>g) Maturity teaching is all about the bodily ascension of the church. </a:t>
-            </a:r>
-          </a:p>
-          <a:p>
-            <a:pPr marL="0" indent="0">
-              <a:buNone/>
-            </a:pPr>
-            <a:r>
-              <a:rPr lang="en-US" dirty="0"/>
-              <a:t>It has nothing to do with the resurrection of the body.</a:t>
-            </a:r>
-          </a:p>
-          <a:p>
-            <a:pPr marL="0" indent="0">
-              <a:buNone/>
-            </a:pPr>
-            <a:r>
-              <a:rPr lang="en-US" dirty="0"/>
-              <a:t>           M/T aims at the rapture of the  Living saints but not at the ascension of the believes who slept in the lord with rapture faith.</a:t>
-            </a:r>
-          </a:p>
-          <a:p>
-            <a:endParaRPr lang="en-US" dirty="0"/>
-          </a:p>
-        </p:txBody>
-      </p:sp>
-      <p:pic>
-        <p:nvPicPr>
-          <p:cNvPr id="4" name="Picture 3"/>
-          <p:cNvPicPr>
-            <a:picLocks noChangeAspect="1"/>
-          </p:cNvPicPr>
-          <p:nvPr/>
-        </p:nvPicPr>
-        <p:blipFill>
-          <a:blip r:embed="rId2">
-            <a:extLst>
-              <a:ext uri="{28A0092B-C50C-407E-A947-70E740481C1C}">
-                <a14:useLocalDpi xmlns:a14="http://schemas.microsoft.com/office/drawing/2010/main" val="0"/>
-              </a:ext>
-            </a:extLst>
-          </a:blip>
-          <a:stretch>
-            <a:fillRect/>
-          </a:stretch>
-        </p:blipFill>
-        <p:spPr>
-          <a:xfrm>
-            <a:off x="2352908" y="3044283"/>
-            <a:ext cx="4388118" cy="3303795"/>
-          </a:xfrm>
-          <a:prstGeom prst="rect">
-            <a:avLst/>
-          </a:prstGeom>
-        </p:spPr>
-      </p:pic>
-    </p:spTree>
-    <p:extLst>
-      <p:ext uri="{BB962C8B-B14F-4D97-AF65-F5344CB8AC3E}">
-        <p14:creationId xmlns:p14="http://schemas.microsoft.com/office/powerpoint/2010/main" val="1746092070"/>
-      </p:ext>
-    </p:extLst>
-  </p:cSld>
-  <p:clrMapOvr>
-    <a:masterClrMapping/>
-  </p:clrMapOvr>
-</p:sld>
-</file>
-
-<file path=ppt/slides/slide13.xml><?xml version="1.0" encoding="utf-8"?>
-<p:sld xmlns:a="http://schemas.openxmlformats.org/drawingml/2006/main" xmlns:r="http://schemas.openxmlformats.org/officeDocument/2006/relationships" xmlns:p="http://schemas.openxmlformats.org/presentationml/2006/main">
-  <p:cSld>
-    <p:spTree>
-      <p:nvGrpSpPr>
-        <p:cNvPr id="1" name=""/>
-        <p:cNvGrpSpPr/>
-        <p:nvPr/>
-      </p:nvGrpSpPr>
-      <p:grpSpPr>
-        <a:xfrm>
-          <a:off x="0" y="0"/>
-          <a:ext cx="0" cy="0"/>
-          <a:chOff x="0" y="0"/>
-          <a:chExt cx="0" cy="0"/>
-        </a:xfrm>
-      </p:grpSpPr>
-      <p:sp>
-        <p:nvSpPr>
-          <p:cNvPr id="3" name="Content Placeholder 2"/>
-          <p:cNvSpPr>
-            <a:spLocks noGrp="1"/>
-          </p:cNvSpPr>
-          <p:nvPr>
-            <p:ph idx="1"/>
-          </p:nvPr>
-        </p:nvSpPr>
-        <p:spPr>
-          <a:xfrm>
-            <a:off x="389951" y="323080"/>
-            <a:ext cx="8596668" cy="6121263"/>
-          </a:xfrm>
-        </p:spPr>
-        <p:txBody>
-          <a:bodyPr>
-            <a:normAutofit/>
-          </a:bodyPr>
-          <a:lstStyle/>
-          <a:p>
-            <a:pPr marL="0" indent="0">
-              <a:buNone/>
-            </a:pPr>
-            <a:r>
-              <a:rPr lang="en-US" dirty="0" smtClean="0"/>
-              <a:t>H </a:t>
-            </a:r>
-            <a:r>
-              <a:rPr lang="en-US" dirty="0" smtClean="0"/>
-              <a:t>)Maturity </a:t>
-            </a:r>
-            <a:r>
-              <a:rPr lang="en-US" dirty="0"/>
-              <a:t>teaching is that "And so we will be with the Lord </a:t>
-            </a:r>
-            <a:r>
-              <a:rPr lang="en-US" dirty="0" smtClean="0"/>
-              <a:t>forever“                   ( </a:t>
-            </a:r>
-            <a:r>
-              <a:rPr lang="en-US" dirty="0"/>
-              <a:t>I </a:t>
-            </a:r>
-            <a:r>
-              <a:rPr lang="en-US" dirty="0" smtClean="0"/>
-              <a:t>Thes 4:17)</a:t>
-            </a:r>
-          </a:p>
-          <a:p>
-            <a:pPr marL="0" indent="0">
-              <a:buNone/>
-            </a:pPr>
-            <a:r>
-              <a:rPr lang="en-US" dirty="0"/>
-              <a:t> </a:t>
-            </a:r>
-            <a:r>
-              <a:rPr lang="en-US" dirty="0" smtClean="0"/>
-              <a:t>           </a:t>
-            </a:r>
-            <a:r>
-              <a:rPr lang="en-US" dirty="0" smtClean="0"/>
-              <a:t> </a:t>
-            </a:r>
-            <a:r>
-              <a:rPr lang="en-US" dirty="0"/>
-              <a:t>It does not focus on the eternal judgement.</a:t>
-            </a:r>
-          </a:p>
-          <a:p>
-            <a:pPr marL="0" indent="0">
-              <a:buNone/>
-            </a:pPr>
-            <a:r>
-              <a:rPr lang="en-US" dirty="0"/>
-              <a:t>             Rather M/T makes believers to pray and plead God to save people from the eternal judgement or the great white throne judgement.</a:t>
-            </a:r>
-          </a:p>
-          <a:p>
-            <a:pPr marL="0" indent="0">
-              <a:buNone/>
-            </a:pPr>
-            <a:r>
-              <a:rPr lang="en-US" dirty="0"/>
-              <a:t>             M/T focusses on preaching much about Salvation and perfection and preaching less about </a:t>
-            </a:r>
-            <a:r>
-              <a:rPr lang="en-US" dirty="0" smtClean="0"/>
-              <a:t>condemnation </a:t>
-            </a:r>
-            <a:r>
-              <a:rPr lang="en-US" dirty="0"/>
-              <a:t>and hell fire</a:t>
-            </a:r>
-          </a:p>
-          <a:p>
-            <a:pPr marL="0" indent="0">
-              <a:buNone/>
-            </a:pPr>
-            <a:r>
-              <a:rPr lang="en-US" dirty="0"/>
-              <a:t>           M/T = Maturity Teaching</a:t>
-            </a:r>
-            <a:endParaRPr lang="en-IN" dirty="0"/>
-          </a:p>
-        </p:txBody>
-      </p:sp>
-      <p:pic>
-        <p:nvPicPr>
-          <p:cNvPr id="4" name="Picture 3"/>
-          <p:cNvPicPr>
-            <a:picLocks noChangeAspect="1"/>
-          </p:cNvPicPr>
-          <p:nvPr/>
-        </p:nvPicPr>
-        <p:blipFill>
-          <a:blip r:embed="rId2" cstate="print">
-            <a:extLst>
-              <a:ext uri="{28A0092B-C50C-407E-A947-70E740481C1C}">
-                <a14:useLocalDpi xmlns:a14="http://schemas.microsoft.com/office/drawing/2010/main" val="0"/>
-              </a:ext>
-            </a:extLst>
-          </a:blip>
-          <a:stretch>
-            <a:fillRect/>
-          </a:stretch>
-        </p:blipFill>
-        <p:spPr>
-          <a:xfrm>
-            <a:off x="2116715" y="3383711"/>
-            <a:ext cx="4537166" cy="2737104"/>
-          </a:xfrm>
-          <a:prstGeom prst="rect">
-            <a:avLst/>
-          </a:prstGeom>
-        </p:spPr>
-      </p:pic>
-    </p:spTree>
-    <p:extLst>
-      <p:ext uri="{BB962C8B-B14F-4D97-AF65-F5344CB8AC3E}">
-        <p14:creationId xmlns:p14="http://schemas.microsoft.com/office/powerpoint/2010/main" val="3533657778"/>
-      </p:ext>
-    </p:extLst>
-  </p:cSld>
-  <p:clrMapOvr>
-    <a:masterClrMapping/>
-  </p:clrMapOvr>
-</p:sld>
-</file>
-
-<file path=ppt/slides/slide14.xml><?xml version="1.0" encoding="utf-8"?>
-<p:sld xmlns:a="http://schemas.openxmlformats.org/drawingml/2006/main" xmlns:r="http://schemas.openxmlformats.org/officeDocument/2006/relationships" xmlns:p="http://schemas.openxmlformats.org/presentationml/2006/main">
-  <p:cSld>
-    <p:spTree>
-      <p:nvGrpSpPr>
-        <p:cNvPr id="1" name=""/>
-        <p:cNvGrpSpPr/>
-        <p:nvPr/>
-      </p:nvGrpSpPr>
-      <p:grpSpPr>
-        <a:xfrm>
-          <a:off x="0" y="0"/>
-          <a:ext cx="0" cy="0"/>
-          <a:chOff x="0" y="0"/>
-          <a:chExt cx="0" cy="0"/>
-        </a:xfrm>
-      </p:grpSpPr>
-      <p:sp>
-        <p:nvSpPr>
-          <p:cNvPr id="4" name="Title 3"/>
-          <p:cNvSpPr>
-            <a:spLocks noGrp="1"/>
-          </p:cNvSpPr>
-          <p:nvPr>
-            <p:ph type="title"/>
-          </p:nvPr>
-        </p:nvSpPr>
-        <p:spPr/>
-        <p:txBody>
-          <a:bodyPr/>
-          <a:lstStyle/>
-          <a:p>
-            <a:r>
-              <a:rPr lang="en-US" dirty="0"/>
-              <a:t>Maturity Teaching  in contrast with the elementary teaching:</a:t>
-            </a:r>
-            <a:endParaRPr lang="en-IN" dirty="0"/>
-          </a:p>
-        </p:txBody>
-      </p:sp>
-      <p:sp>
-        <p:nvSpPr>
-          <p:cNvPr id="5" name="Text Placeholder 4"/>
-          <p:cNvSpPr>
-            <a:spLocks noGrp="1"/>
-          </p:cNvSpPr>
-          <p:nvPr>
-            <p:ph type="body" idx="1"/>
-          </p:nvPr>
-        </p:nvSpPr>
-        <p:spPr/>
-        <p:txBody>
-          <a:bodyPr/>
-          <a:lstStyle/>
-          <a:p>
-            <a:r>
-              <a:rPr lang="en-IN" dirty="0"/>
-              <a:t>Elementary teaching </a:t>
-            </a:r>
-          </a:p>
-        </p:txBody>
-      </p:sp>
-      <p:sp>
-        <p:nvSpPr>
-          <p:cNvPr id="6" name="Content Placeholder 5"/>
-          <p:cNvSpPr>
-            <a:spLocks noGrp="1"/>
-          </p:cNvSpPr>
-          <p:nvPr>
-            <p:ph sz="half" idx="2"/>
-          </p:nvPr>
-        </p:nvSpPr>
-        <p:spPr/>
-        <p:txBody>
-          <a:bodyPr>
-            <a:normAutofit fontScale="85000" lnSpcReduction="20000"/>
-          </a:bodyPr>
-          <a:lstStyle/>
-          <a:p>
-            <a:r>
-              <a:rPr lang="en-IN" dirty="0"/>
-              <a:t>word of god </a:t>
-            </a:r>
-          </a:p>
-          <a:p>
-            <a:r>
-              <a:rPr lang="en-IN" dirty="0"/>
-              <a:t>teachings of apostles</a:t>
-            </a:r>
-          </a:p>
-          <a:p>
-            <a:r>
-              <a:rPr lang="en-IN" dirty="0"/>
-              <a:t>the holy communion </a:t>
-            </a:r>
-          </a:p>
-          <a:p>
-            <a:r>
-              <a:rPr lang="en-IN" dirty="0"/>
-              <a:t>perennial prayer</a:t>
-            </a:r>
-          </a:p>
-          <a:p>
-            <a:r>
-              <a:rPr lang="en-IN" dirty="0"/>
-              <a:t>constant </a:t>
-            </a:r>
-            <a:r>
-              <a:rPr lang="en-IN" dirty="0" smtClean="0"/>
-              <a:t>confession </a:t>
-            </a:r>
-            <a:r>
-              <a:rPr lang="en-IN" dirty="0"/>
-              <a:t>of </a:t>
-            </a:r>
-            <a:r>
-              <a:rPr lang="en-IN" dirty="0" smtClean="0"/>
-              <a:t>sins </a:t>
-            </a:r>
-            <a:endParaRPr lang="en-IN" dirty="0"/>
-          </a:p>
-          <a:p>
-            <a:r>
-              <a:rPr lang="en-IN" dirty="0"/>
-              <a:t>basic faith for salvation </a:t>
-            </a:r>
-          </a:p>
-          <a:p>
-            <a:r>
-              <a:rPr lang="en-IN" dirty="0"/>
-              <a:t>water baptism &amp; many baptisms </a:t>
-            </a:r>
-          </a:p>
-          <a:p>
-            <a:r>
-              <a:rPr lang="en-IN" dirty="0"/>
-              <a:t>laying on the hands(functional) </a:t>
-            </a:r>
-          </a:p>
-          <a:p>
-            <a:r>
-              <a:rPr lang="en-IN" dirty="0"/>
-              <a:t>locking for resurrection </a:t>
-            </a:r>
-          </a:p>
-          <a:p>
-            <a:r>
-              <a:rPr lang="en-US" dirty="0"/>
-              <a:t>electrical judgement( </a:t>
-            </a:r>
-            <a:r>
-              <a:rPr lang="en-US" dirty="0" smtClean="0"/>
-              <a:t>scares </a:t>
-            </a:r>
-            <a:r>
-              <a:rPr lang="en-US" dirty="0"/>
-              <a:t>of lake of fire)</a:t>
-            </a:r>
-            <a:endParaRPr lang="en-IN" dirty="0"/>
-          </a:p>
-        </p:txBody>
-      </p:sp>
-      <p:sp>
-        <p:nvSpPr>
-          <p:cNvPr id="7" name="Text Placeholder 6"/>
-          <p:cNvSpPr>
-            <a:spLocks noGrp="1"/>
-          </p:cNvSpPr>
-          <p:nvPr>
-            <p:ph type="body" sz="quarter" idx="3"/>
-          </p:nvPr>
-        </p:nvSpPr>
-        <p:spPr/>
-        <p:txBody>
-          <a:bodyPr/>
-          <a:lstStyle/>
-          <a:p>
-            <a:r>
-              <a:rPr lang="en-IN" dirty="0"/>
-              <a:t>Maturity teaching</a:t>
-            </a:r>
-          </a:p>
-        </p:txBody>
-      </p:sp>
-      <p:sp>
-        <p:nvSpPr>
-          <p:cNvPr id="8" name="Content Placeholder 7"/>
-          <p:cNvSpPr>
-            <a:spLocks noGrp="1"/>
-          </p:cNvSpPr>
-          <p:nvPr>
-            <p:ph sz="quarter" idx="4"/>
-          </p:nvPr>
-        </p:nvSpPr>
-        <p:spPr/>
-        <p:txBody>
-          <a:bodyPr>
-            <a:normAutofit fontScale="70000" lnSpcReduction="20000"/>
-          </a:bodyPr>
-          <a:lstStyle/>
-          <a:p>
-            <a:r>
-              <a:rPr lang="en-IN" dirty="0"/>
-              <a:t>living word (i.e. Jesus)</a:t>
-            </a:r>
-          </a:p>
-          <a:p>
-            <a:r>
-              <a:rPr lang="en-IN" dirty="0"/>
-              <a:t>revelation from the lord</a:t>
-            </a:r>
-          </a:p>
-          <a:p>
-            <a:r>
-              <a:rPr lang="en-US" dirty="0"/>
-              <a:t> the glorious communion served by the lord himself</a:t>
-            </a:r>
-          </a:p>
-          <a:p>
-            <a:r>
-              <a:rPr lang="en-US" dirty="0"/>
-              <a:t>face to face fellowship with the lord</a:t>
-            </a:r>
-          </a:p>
-          <a:p>
-            <a:r>
-              <a:rPr lang="en-US" dirty="0" smtClean="0"/>
-              <a:t>praising </a:t>
-            </a:r>
-            <a:r>
-              <a:rPr lang="en-US" dirty="0"/>
-              <a:t>god for complete forgiveness</a:t>
-            </a:r>
-          </a:p>
-          <a:p>
-            <a:r>
-              <a:rPr lang="en-IN" dirty="0"/>
-              <a:t>rapture faith for ascension</a:t>
-            </a:r>
-          </a:p>
-          <a:p>
-            <a:r>
-              <a:rPr lang="en-US" dirty="0"/>
-              <a:t>one baptism. the baptism of the holy spirit</a:t>
-            </a:r>
-          </a:p>
-          <a:p>
-            <a:r>
-              <a:rPr lang="en-US" dirty="0"/>
-              <a:t>imparting the gifts of the holy spirit (spirit filled)</a:t>
-            </a:r>
-          </a:p>
-          <a:p>
-            <a:r>
-              <a:rPr lang="en-US" dirty="0"/>
-              <a:t>waiting for the rapture cloud (shekchina)</a:t>
-            </a:r>
-          </a:p>
-          <a:p>
-            <a:r>
-              <a:rPr lang="en-US" dirty="0"/>
-              <a:t>eternal salvation.( </a:t>
-            </a:r>
-            <a:r>
-              <a:rPr lang="en-US" dirty="0" err="1" smtClean="0"/>
-              <a:t>fullfillment</a:t>
-            </a:r>
-            <a:r>
-              <a:rPr lang="en-US" dirty="0" smtClean="0"/>
-              <a:t> </a:t>
-            </a:r>
-            <a:r>
-              <a:rPr lang="en-US" dirty="0"/>
-              <a:t>of the three fold solvation 30, 60, 100)</a:t>
-            </a:r>
-            <a:endParaRPr lang="en-IN" dirty="0"/>
-          </a:p>
-        </p:txBody>
-      </p:sp>
-    </p:spTree>
-    <p:extLst>
-      <p:ext uri="{BB962C8B-B14F-4D97-AF65-F5344CB8AC3E}">
-        <p14:creationId xmlns:p14="http://schemas.microsoft.com/office/powerpoint/2010/main" val="3382724315"/>
-      </p:ext>
-    </p:extLst>
-  </p:cSld>
-  <p:clrMapOvr>
-    <a:masterClrMapping/>
-  </p:clrMapOvr>
-</p:sld>
-</file>
-
-<file path=ppt/slides/slide2.xml><?xml version="1.0" encoding="utf-8"?>
-<p:sld xmlns:a="http://schemas.openxmlformats.org/drawingml/2006/main" xmlns:r="http://schemas.openxmlformats.org/officeDocument/2006/relationships" xmlns:p="http://schemas.openxmlformats.org/presentationml/2006/main">
-  <p:cSld>
-    <p:spTree>
-      <p:nvGrpSpPr>
-        <p:cNvPr id="1" name=""/>
-        <p:cNvGrpSpPr/>
-        <p:nvPr/>
-      </p:nvGrpSpPr>
-      <p:grpSpPr>
-        <a:xfrm>
-          <a:off x="0" y="0"/>
-          <a:ext cx="0" cy="0"/>
-          <a:chOff x="0" y="0"/>
-          <a:chExt cx="0" cy="0"/>
-        </a:xfrm>
-      </p:grpSpPr>
-      <p:sp>
-        <p:nvSpPr>
           <p:cNvPr id="3" name="Content Placeholder 2"/>
           <p:cNvSpPr>
             <a:spLocks noGrp="1"/>
@@ -7265,8 +7693,13 @@
           <a:p>
             <a:r>
               <a:rPr lang="en-US" dirty="0"/>
-              <a:t>                          Word of God                                       </a:t>
-            </a:r>
+              <a:t>                          Word of </a:t>
+            </a:r>
+            <a:r>
+              <a:rPr lang="en-US" dirty="0" smtClean="0"/>
+              <a:t>God                                       </a:t>
+            </a:r>
+            <a:endParaRPr lang="en-US" dirty="0"/>
           </a:p>
           <a:p>
             <a:r>
@@ -7332,7 +7765,7 @@
 </p:sld>
 </file>
 
-<file path=ppt/slides/slide3.xml><?xml version="1.0" encoding="utf-8"?>
+<file path=ppt/slides/slide4.xml><?xml version="1.0" encoding="utf-8"?>
 <p:sld xmlns:a="http://schemas.openxmlformats.org/drawingml/2006/main" xmlns:r="http://schemas.openxmlformats.org/officeDocument/2006/relationships" xmlns:p="http://schemas.openxmlformats.org/presentationml/2006/main">
   <p:cSld>
     <p:spTree>
@@ -7367,10 +7800,26 @@
           <a:lstStyle/>
           <a:p>
             <a:r>
-              <a:rPr lang="en-US" dirty="0"/>
-              <a:t>Confession of Sins</a:t>
-            </a:r>
-            <a:endParaRPr lang="en-IN" dirty="0"/>
+              <a:rPr lang="en-US" sz="4400" dirty="0">
+                <a:solidFill>
+                  <a:schemeClr val="tx1"/>
+                </a:solidFill>
+              </a:rPr>
+              <a:t>Confession</a:t>
+            </a:r>
+            <a:r>
+              <a:rPr lang="en-US" dirty="0">
+                <a:solidFill>
+                  <a:schemeClr val="tx1"/>
+                </a:solidFill>
+              </a:rPr>
+              <a:t> of Sins</a:t>
+            </a:r>
+            <a:endParaRPr lang="en-IN" dirty="0">
+              <a:solidFill>
+                <a:schemeClr val="tx1"/>
+              </a:solidFill>
+            </a:endParaRPr>
           </a:p>
         </p:txBody>
       </p:sp>
@@ -7408,8 +7857,13 @@
           <a:p>
             <a:r>
               <a:rPr lang="en-US" dirty="0"/>
-              <a:t>constant confession without real repentance is meaning less and making mockery of god </a:t>
-            </a:r>
+              <a:t>constant confession without real repentance is meaning less and making mockery of </a:t>
+            </a:r>
+            <a:r>
+              <a:rPr lang="en-US" dirty="0" smtClean="0"/>
+              <a:t>God </a:t>
+            </a:r>
+            <a:endParaRPr lang="en-US" dirty="0"/>
           </a:p>
           <a:p>
             <a:r>
@@ -7463,7 +7917,7 @@
 </p:sld>
 </file>
 
-<file path=ppt/slides/slide4.xml><?xml version="1.0" encoding="utf-8"?>
+<file path=ppt/slides/slide5.xml><?xml version="1.0" encoding="utf-8"?>
 <p:sld xmlns:a="http://schemas.openxmlformats.org/drawingml/2006/main" xmlns:r="http://schemas.openxmlformats.org/officeDocument/2006/relationships" xmlns:p="http://schemas.openxmlformats.org/presentationml/2006/main">
   <p:cSld>
     <p:spTree>
@@ -7492,14 +7946,32 @@
         </p:nvSpPr>
         <p:spPr/>
         <p:txBody>
-          <a:bodyPr/>
-          <a:lstStyle/>
-          <a:p>
-            <a:r>
-              <a:rPr lang="en-US" dirty="0"/>
-              <a:t>Belief In God</a:t>
-            </a:r>
-            <a:endParaRPr lang="en-IN" dirty="0"/>
+          <a:bodyPr>
+            <a:normAutofit/>
+          </a:bodyPr>
+          <a:lstStyle/>
+          <a:p>
+            <a:r>
+              <a:rPr lang="en-US" sz="4400" dirty="0">
+                <a:solidFill>
+                  <a:schemeClr val="tx1"/>
+                </a:solidFill>
+              </a:rPr>
+              <a:t>Belief In </a:t>
+            </a:r>
+            <a:r>
+              <a:rPr lang="en-US" sz="4400" dirty="0" smtClean="0">
+                <a:solidFill>
+                  <a:schemeClr val="tx1"/>
+                </a:solidFill>
+              </a:rPr>
+              <a:t>God</a:t>
+            </a:r>
+            <a:endParaRPr lang="en-IN" sz="4400" dirty="0">
+              <a:solidFill>
+                <a:schemeClr val="tx1"/>
+              </a:solidFill>
+            </a:endParaRPr>
           </a:p>
         </p:txBody>
       </p:sp>
@@ -7525,19 +7997,44 @@
           <a:p>
             <a:r>
               <a:rPr lang="en-US" dirty="0"/>
-              <a:t>          Belief in God i.e. Basic faith</a:t>
-            </a:r>
-          </a:p>
-          <a:p>
+              <a:t>          Belief in </a:t>
+            </a:r>
+            <a:r>
+              <a:rPr lang="en-US" dirty="0" smtClean="0"/>
+              <a:t>God </a:t>
+            </a:r>
             <a:r>
               <a:rPr lang="en-US" dirty="0"/>
-              <a:t>          James warns us of the rudimentary faith you believe that there is one God </a:t>
+              <a:t>i.e. Basic faith</a:t>
             </a:r>
           </a:p>
           <a:p>
             <a:r>
               <a:rPr lang="en-US" dirty="0"/>
-              <a:t>           Good! Even the demons believe that </a:t>
+              <a:t>          James warns us of the rudimentary faith you believe that there is one </a:t>
+            </a:r>
+            <a:r>
+              <a:rPr lang="en-US" dirty="0" smtClean="0"/>
+              <a:t>God </a:t>
+            </a:r>
+            <a:endParaRPr lang="en-US" dirty="0"/>
+          </a:p>
+          <a:p>
+            <a:r>
+              <a:rPr lang="en-US" dirty="0"/>
+              <a:t>          </a:t>
+            </a:r>
+            <a:r>
+              <a:rPr lang="en-US" dirty="0" smtClean="0"/>
+              <a:t>God</a:t>
+            </a:r>
+            <a:r>
+              <a:rPr lang="en-US" dirty="0" smtClean="0"/>
+              <a:t>! </a:t>
+            </a:r>
+            <a:r>
+              <a:rPr lang="en-US" dirty="0"/>
+              <a:t>Even the demons believe that </a:t>
             </a:r>
             <a:r>
               <a:rPr lang="en-US" dirty="0" smtClean="0"/>
@@ -7590,7 +8087,7 @@
 </p:sld>
 </file>
 
-<file path=ppt/slides/slide5.xml><?xml version="1.0" encoding="utf-8"?>
+<file path=ppt/slides/slide6.xml><?xml version="1.0" encoding="utf-8"?>
 <p:sld xmlns:a="http://schemas.openxmlformats.org/drawingml/2006/main" xmlns:r="http://schemas.openxmlformats.org/officeDocument/2006/relationships" xmlns:p="http://schemas.openxmlformats.org/presentationml/2006/main">
   <p:cSld>
     <p:spTree>
@@ -7629,7 +8126,23 @@
           <a:p>
             <a:r>
               <a:rPr lang="en-US" dirty="0"/>
-              <a:t> Faith that comes through the listening of God's word   (Rom - 10:17)</a:t>
+              <a:t> </a:t>
+            </a:r>
+            <a:r>
+              <a:rPr lang="en-US" dirty="0" smtClean="0"/>
+              <a:t>          Faith </a:t>
+            </a:r>
+            <a:r>
+              <a:rPr lang="en-US" dirty="0"/>
+              <a:t>that comes through the listening of </a:t>
+            </a:r>
+            <a:r>
+              <a:rPr lang="en-US" dirty="0" smtClean="0"/>
+              <a:t>God's </a:t>
+            </a:r>
+            <a:r>
+              <a:rPr lang="en-US" dirty="0"/>
+              <a:t>word   (Rom - 10:17)</a:t>
             </a:r>
           </a:p>
           <a:p>
@@ -7697,7 +8210,7 @@
 </p:sld>
 </file>
 
-<file path=ppt/slides/slide6.xml><?xml version="1.0" encoding="utf-8"?>
+<file path=ppt/slides/slide7.xml><?xml version="1.0" encoding="utf-8"?>
 <p:sld xmlns:a="http://schemas.openxmlformats.org/drawingml/2006/main" xmlns:r="http://schemas.openxmlformats.org/officeDocument/2006/relationships" xmlns:p="http://schemas.openxmlformats.org/presentationml/2006/main">
   <p:cSld>
     <p:spTree>
@@ -7726,11 +8239,17 @@
         </p:nvSpPr>
         <p:spPr/>
         <p:txBody>
-          <a:bodyPr/>
-          <a:lstStyle/>
-          <a:p>
-            <a:r>
-              <a:rPr lang="en-IN" dirty="0"/>
+          <a:bodyPr>
+            <a:normAutofit/>
+          </a:bodyPr>
+          <a:lstStyle/>
+          <a:p>
+            <a:r>
+              <a:rPr lang="en-IN" sz="4400" dirty="0">
+                <a:solidFill>
+                  <a:schemeClr val="tx1"/>
+                </a:solidFill>
+              </a:rPr>
               <a:t>Battles of Baptism</a:t>
             </a:r>
           </a:p>
@@ -7792,12 +8311,17 @@
             </a:r>
           </a:p>
           <a:p>
-            <a:pPr marL="0" indent="0">
-              <a:buNone/>
-            </a:pPr>
             <a:r>
               <a:rPr lang="en-US" dirty="0"/>
-              <a:t> Different methods of </a:t>
+              <a:t> </a:t>
+            </a:r>
+            <a:r>
+              <a:rPr lang="en-US" dirty="0" smtClean="0"/>
+              <a:t>Different </a:t>
+            </a:r>
+            <a:r>
+              <a:rPr lang="en-US" dirty="0"/>
+              <a:t>methods of </a:t>
             </a:r>
             <a:r>
               <a:rPr lang="en-US" dirty="0" smtClean="0"/>
@@ -7850,7 +8374,7 @@
 </p:sld>
 </file>
 
-<file path=ppt/slides/slide7.xml><?xml version="1.0" encoding="utf-8"?>
+<file path=ppt/slides/slide8.xml><?xml version="1.0" encoding="utf-8"?>
 <p:sld xmlns:a="http://schemas.openxmlformats.org/drawingml/2006/main" xmlns:r="http://schemas.openxmlformats.org/officeDocument/2006/relationships" xmlns:p="http://schemas.openxmlformats.org/presentationml/2006/main">
   <p:cSld>
     <p:spTree>
@@ -7891,11 +8415,19 @@
               <a:buNone/>
             </a:pPr>
             <a:r>
-              <a:rPr lang="en-US" b="1" dirty="0"/>
-              <a:t>Laying on of hand</a:t>
-            </a:r>
-            <a:r>
-              <a:rPr lang="en-US" dirty="0"/>
+              <a:rPr lang="en-US" sz="4400" b="1" dirty="0"/>
+              <a:t>Laying </a:t>
+            </a:r>
+            <a:r>
+              <a:rPr lang="en-US" sz="4400" b="1" dirty="0" smtClean="0"/>
+              <a:t>of </a:t>
+            </a:r>
+            <a:r>
+              <a:rPr lang="en-US" sz="4400" b="1" dirty="0"/>
+              <a:t>hand</a:t>
+            </a:r>
+            <a:r>
+              <a:rPr lang="en-US" sz="4400" dirty="0"/>
               <a:t>s</a:t>
             </a:r>
           </a:p>
@@ -7920,7 +8452,15 @@
           <a:p>
             <a:r>
               <a:rPr lang="en-US" dirty="0"/>
-              <a:t> When something is initiated by someone we must see that it goes on. we shouldn't stop it freshly       initiate once again.</a:t>
+              <a:t> When something is initiated by someone we must see that it goes on. we shouldn't stop it </a:t>
+            </a:r>
+            <a:r>
+              <a:rPr lang="en-US" dirty="0" smtClean="0"/>
+              <a:t>freshly initiate </a:t>
+            </a:r>
+            <a:r>
+              <a:rPr lang="en-US" dirty="0"/>
+              <a:t>once again.</a:t>
             </a:r>
           </a:p>
           <a:p>
@@ -7977,7 +8517,7 @@
 </p:sld>
 </file>
 
-<file path=ppt/slides/slide8.xml><?xml version="1.0" encoding="utf-8"?>
+<file path=ppt/slides/slide9.xml><?xml version="1.0" encoding="utf-8"?>
 <p:sld xmlns:a="http://schemas.openxmlformats.org/drawingml/2006/main" xmlns:r="http://schemas.openxmlformats.org/officeDocument/2006/relationships" xmlns:p="http://schemas.openxmlformats.org/presentationml/2006/main">
   <p:cSld>
     <p:spTree>
@@ -8018,23 +8558,31 @@
               <a:buNone/>
             </a:pPr>
             <a:r>
-              <a:rPr lang="en-US" b="1" dirty="0" smtClean="0"/>
+              <a:rPr lang="en-US" sz="4400" b="1" dirty="0" smtClean="0"/>
               <a:t>Resurrection </a:t>
             </a:r>
             <a:r>
-              <a:rPr lang="en-US" b="1" dirty="0"/>
+              <a:rPr lang="en-US" sz="4400" b="1" dirty="0"/>
               <a:t>of the </a:t>
             </a:r>
             <a:r>
-              <a:rPr lang="en-US" b="1" dirty="0" smtClean="0"/>
+              <a:rPr lang="en-US" sz="4400" b="1" dirty="0" smtClean="0"/>
               <a:t>dead:</a:t>
             </a:r>
-            <a:endParaRPr lang="en-US" b="1" dirty="0"/>
+            <a:endParaRPr lang="en-US" sz="4400" b="1" dirty="0"/>
           </a:p>
           <a:p>
             <a:r>
               <a:rPr lang="en-US" dirty="0"/>
-              <a:t> For some of the things Christ has granted us, we shouldn't keep on stressing on them and pay extra    attention...</a:t>
+              <a:t> For some of the things Christ has granted us, we shouldn't keep on stressing on them and pay extra </a:t>
+            </a:r>
+            <a:r>
+              <a:rPr lang="en-US" dirty="0" smtClean="0"/>
+              <a:t>attention</a:t>
+            </a:r>
+            <a:r>
+              <a:rPr lang="en-US" dirty="0"/>
+              <a:t>...</a:t>
             </a:r>
           </a:p>
           <a:p>
@@ -8070,7 +8618,7 @@
         </p:blipFill>
         <p:spPr>
           <a:xfrm>
-            <a:off x="2361260" y="2807434"/>
+            <a:off x="2350108" y="3346949"/>
             <a:ext cx="5102972" cy="2801744"/>
           </a:xfrm>
           <a:prstGeom prst="rect">
@@ -8082,136 +8630,6 @@
     <p:extLst>
       <p:ext uri="{BB962C8B-B14F-4D97-AF65-F5344CB8AC3E}">
         <p14:creationId xmlns:p14="http://schemas.microsoft.com/office/powerpoint/2010/main" val="4105814804"/>
-      </p:ext>
-    </p:extLst>
-  </p:cSld>
-  <p:clrMapOvr>
-    <a:masterClrMapping/>
-  </p:clrMapOvr>
-</p:sld>
-</file>
-
-<file path=ppt/slides/slide9.xml><?xml version="1.0" encoding="utf-8"?>
-<p:sld xmlns:a="http://schemas.openxmlformats.org/drawingml/2006/main" xmlns:r="http://schemas.openxmlformats.org/officeDocument/2006/relationships" xmlns:p="http://schemas.openxmlformats.org/presentationml/2006/main">
-  <p:cSld>
-    <p:spTree>
-      <p:nvGrpSpPr>
-        <p:cNvPr id="1" name=""/>
-        <p:cNvGrpSpPr/>
-        <p:nvPr/>
-      </p:nvGrpSpPr>
-      <p:grpSpPr>
-        <a:xfrm>
-          <a:off x="0" y="0"/>
-          <a:ext cx="0" cy="0"/>
-          <a:chOff x="0" y="0"/>
-          <a:chExt cx="0" cy="0"/>
-        </a:xfrm>
-      </p:grpSpPr>
-      <p:sp>
-        <p:nvSpPr>
-          <p:cNvPr id="7" name="Title 6"/>
-          <p:cNvSpPr>
-            <a:spLocks noGrp="1"/>
-          </p:cNvSpPr>
-          <p:nvPr>
-            <p:ph type="title"/>
-          </p:nvPr>
-        </p:nvSpPr>
-        <p:spPr/>
-        <p:txBody>
-          <a:bodyPr/>
-          <a:lstStyle/>
-          <a:p>
-            <a:r>
-              <a:rPr lang="en-IN" dirty="0"/>
-              <a:t>Eternal judgement</a:t>
-            </a:r>
-          </a:p>
-        </p:txBody>
-      </p:sp>
-      <p:sp>
-        <p:nvSpPr>
-          <p:cNvPr id="8" name="Content Placeholder 7"/>
-          <p:cNvSpPr>
-            <a:spLocks noGrp="1"/>
-          </p:cNvSpPr>
-          <p:nvPr>
-            <p:ph idx="1"/>
-          </p:nvPr>
-        </p:nvSpPr>
-        <p:spPr>
-          <a:xfrm>
-            <a:off x="598956" y="1533573"/>
-            <a:ext cx="5645089" cy="3665444"/>
-          </a:xfrm>
-        </p:spPr>
-        <p:txBody>
-          <a:bodyPr/>
-          <a:lstStyle/>
-          <a:p>
-            <a:r>
-              <a:rPr lang="en-US" dirty="0"/>
-              <a:t> Many preach about eternal </a:t>
-            </a:r>
-            <a:r>
-              <a:rPr lang="en-US" dirty="0" smtClean="0"/>
-              <a:t>condemnation </a:t>
-            </a:r>
-            <a:r>
-              <a:rPr lang="en-US" dirty="0"/>
-              <a:t>rather than eternal salvation.</a:t>
-            </a:r>
-          </a:p>
-          <a:p>
-            <a:r>
-              <a:rPr lang="en-US" dirty="0"/>
-              <a:t> Eternal judgement is at the end of all things but not during the rapture</a:t>
-            </a:r>
-          </a:p>
-          <a:p>
-            <a:r>
-              <a:rPr lang="en-US" dirty="0"/>
-              <a:t> On the day of final judgement also some people will be saved.</a:t>
-            </a:r>
-            <a:endParaRPr lang="en-IN" dirty="0"/>
-          </a:p>
-        </p:txBody>
-      </p:sp>
-      <p:pic>
-        <p:nvPicPr>
-          <p:cNvPr id="11" name="Picture 10"/>
-          <p:cNvPicPr>
-            <a:picLocks noChangeAspect="1"/>
-          </p:cNvPicPr>
-          <p:nvPr/>
-        </p:nvPicPr>
-        <p:blipFill>
-          <a:blip r:embed="rId2">
-            <a:extLst>
-              <a:ext uri="{28A0092B-C50C-407E-A947-70E740481C1C}">
-                <a14:useLocalDpi xmlns:a14="http://schemas.microsoft.com/office/drawing/2010/main" val="0"/>
-              </a:ext>
-            </a:extLst>
-          </a:blip>
-          <a:stretch>
-            <a:fillRect/>
-          </a:stretch>
-        </p:blipFill>
-        <p:spPr>
-          <a:xfrm>
-            <a:off x="2020389" y="3688511"/>
-            <a:ext cx="5651862" cy="2816265"/>
-          </a:xfrm>
-          <a:prstGeom prst="rect">
-            <a:avLst/>
-          </a:prstGeom>
-        </p:spPr>
-      </p:pic>
-    </p:spTree>
-    <p:extLst>
-      <p:ext uri="{BB962C8B-B14F-4D97-AF65-F5344CB8AC3E}">
-        <p14:creationId xmlns:p14="http://schemas.microsoft.com/office/powerpoint/2010/main" val="3700362613"/>
       </p:ext>
     </p:extLst>
   </p:cSld>
